--- a/경매 사이트 제작.pptx
+++ b/경매 사이트 제작.pptx
@@ -7,15 +7,22 @@
   <p:sldIdLst>
     <p:sldId id="256" r:id="rId2"/>
     <p:sldId id="257" r:id="rId3"/>
-    <p:sldId id="258" r:id="rId4"/>
-    <p:sldId id="259" r:id="rId5"/>
+    <p:sldId id="268" r:id="rId4"/>
+    <p:sldId id="258" r:id="rId5"/>
     <p:sldId id="260" r:id="rId6"/>
     <p:sldId id="261" r:id="rId7"/>
-    <p:sldId id="262" r:id="rId8"/>
-    <p:sldId id="263" r:id="rId9"/>
-    <p:sldId id="264" r:id="rId10"/>
-    <p:sldId id="265" r:id="rId11"/>
-    <p:sldId id="266" r:id="rId12"/>
+    <p:sldId id="263" r:id="rId8"/>
+    <p:sldId id="269" r:id="rId9"/>
+    <p:sldId id="270" r:id="rId10"/>
+    <p:sldId id="271" r:id="rId11"/>
+    <p:sldId id="272" r:id="rId12"/>
+    <p:sldId id="273" r:id="rId13"/>
+    <p:sldId id="274" r:id="rId14"/>
+    <p:sldId id="275" r:id="rId15"/>
+    <p:sldId id="276" r:id="rId16"/>
+    <p:sldId id="264" r:id="rId17"/>
+    <p:sldId id="265" r:id="rId18"/>
+    <p:sldId id="266" r:id="rId19"/>
   </p:sldIdLst>
   <p:sldSz cx="12192000" cy="6858000"/>
   <p:notesSz cx="6858000" cy="9144000"/>
@@ -114,7 +121,38 @@
       </a:defRPr>
     </a:lvl9pPr>
   </p:defaultTextStyle>
+  <p:extLst>
+    <p:ext uri="{EFAFB233-063F-42B5-8137-9DF3F51BA10A}">
+      <p15:sldGuideLst xmlns:p15="http://schemas.microsoft.com/office/powerpoint/2012/main"/>
+    </p:ext>
+  </p:extLst>
 </p:presentation>
+</file>
+
+<file path=ppt/commentAuthors.xml><?xml version="1.0" encoding="utf-8"?>
+<p:cmAuthorLst xmlns:a="http://schemas.openxmlformats.org/drawingml/2006/main" xmlns:r="http://schemas.openxmlformats.org/officeDocument/2006/relationships" xmlns:p="http://schemas.openxmlformats.org/presentationml/2006/main">
+  <p:cmAuthor id="1" name="GREEN" initials="G" lastIdx="1" clrIdx="0">
+    <p:extLst>
+      <p:ext uri="{19B8F6BF-5375-455C-9EA6-DF929625EA0E}">
+        <p15:presenceInfo xmlns:p15="http://schemas.microsoft.com/office/powerpoint/2012/main" userId="GREEN" providerId="None"/>
+      </p:ext>
+    </p:extLst>
+  </p:cmAuthor>
+</p:cmAuthorLst>
+</file>
+
+<file path=ppt/comments/comment1.xml><?xml version="1.0" encoding="utf-8"?>
+<p:cmLst xmlns:a="http://schemas.openxmlformats.org/drawingml/2006/main" xmlns:r="http://schemas.openxmlformats.org/officeDocument/2006/relationships" xmlns:p="http://schemas.openxmlformats.org/presentationml/2006/main">
+  <p:cm authorId="1" dt="2023-02-04T16:16:17.147" idx="1">
+    <p:pos x="10" y="10"/>
+    <p:text/>
+    <p:extLst>
+      <p:ext uri="{C676402C-5697-4E1C-873F-D02D1690AC5C}">
+        <p15:threadingInfo xmlns:p15="http://schemas.microsoft.com/office/powerpoint/2012/main" timeZoneBias="-540"/>
+      </p:ext>
+    </p:extLst>
+  </p:cm>
+</p:cmLst>
 </file>
 
 <file path=ppt/slideLayouts/slideLayout1.xml><?xml version="1.0" encoding="utf-8"?>
@@ -2879,7 +2917,7 @@
                 <a16:creationId xmlns:a16="http://schemas.microsoft.com/office/drawing/2014/main" id="{2293296F-4C3A-4530-98F5-F83646ACE913}"/>
               </a:ext>
               <a:ext uri="{C183D7F6-B498-43B3-948B-1728B52AA6E4}">
-                <adec:decorative xmlns:adec="http://schemas.microsoft.com/office/drawing/2017/decorative" val="1"/>
+                <adec:decorative xmlns:adec="http://schemas.microsoft.com/office/drawing/2017/decorative" xmlns="" val="1"/>
               </a:ext>
             </a:extLst>
           </p:cNvPr>
@@ -2937,7 +2975,7 @@
                 <a16:creationId xmlns:a16="http://schemas.microsoft.com/office/drawing/2014/main" id="{3914D2BD-3C47-433D-81FE-DC6C39595F0E}"/>
               </a:ext>
               <a:ext uri="{C183D7F6-B498-43B3-948B-1728B52AA6E4}">
-                <adec:decorative xmlns:adec="http://schemas.microsoft.com/office/drawing/2017/decorative" val="1"/>
+                <adec:decorative xmlns:adec="http://schemas.microsoft.com/office/drawing/2017/decorative" xmlns="" val="1"/>
               </a:ext>
             </a:extLst>
           </p:cNvPr>
@@ -3875,7 +3913,7 @@
                 <a16:creationId xmlns:a16="http://schemas.microsoft.com/office/drawing/2014/main" id="{A38827F1-3359-44F6-9009-43AE2B17FEAD}"/>
               </a:ext>
               <a:ext uri="{C183D7F6-B498-43B3-948B-1728B52AA6E4}">
-                <adec:decorative xmlns:adec="http://schemas.microsoft.com/office/drawing/2017/decorative" val="1"/>
+                <adec:decorative xmlns:adec="http://schemas.microsoft.com/office/drawing/2017/decorative" xmlns="" val="1"/>
               </a:ext>
             </a:extLst>
           </p:cNvPr>
@@ -3935,7 +3973,7 @@
                 <a16:creationId xmlns:a16="http://schemas.microsoft.com/office/drawing/2014/main" id="{17AFAD67-5350-4773-886F-D6DD7E66DB04}"/>
               </a:ext>
               <a:ext uri="{C183D7F6-B498-43B3-948B-1728B52AA6E4}">
-                <adec:decorative xmlns:adec="http://schemas.microsoft.com/office/drawing/2017/decorative" val="1"/>
+                <adec:decorative xmlns:adec="http://schemas.microsoft.com/office/drawing/2017/decorative" xmlns="" val="1"/>
               </a:ext>
             </a:extLst>
           </p:cNvPr>
@@ -4032,7 +4070,7 @@
                 <a16:creationId xmlns:a16="http://schemas.microsoft.com/office/drawing/2014/main" id="{3914D2BD-3C47-433D-81FE-DC6C39595F0E}"/>
               </a:ext>
               <a:ext uri="{C183D7F6-B498-43B3-948B-1728B52AA6E4}">
-                <adec:decorative xmlns:adec="http://schemas.microsoft.com/office/drawing/2017/decorative" val="1"/>
+                <adec:decorative xmlns:adec="http://schemas.microsoft.com/office/drawing/2017/decorative" xmlns="" val="1"/>
               </a:ext>
             </a:extLst>
           </p:cNvPr>
@@ -4063,7 +4101,7 @@
                   <a16:creationId xmlns:a16="http://schemas.microsoft.com/office/drawing/2014/main" id="{D3DD55E4-EA4F-4874-8B5B-6E0EAF4BBFC4}"/>
                 </a:ext>
                 <a:ext uri="{C183D7F6-B498-43B3-948B-1728B52AA6E4}">
-                  <adec:decorative xmlns:adec="http://schemas.microsoft.com/office/drawing/2017/decorative" val="1"/>
+                  <adec:decorative xmlns:adec="http://schemas.microsoft.com/office/drawing/2017/decorative" xmlns="" val="1"/>
                 </a:ext>
               </a:extLst>
             </p:cNvPr>
@@ -4115,7 +4153,7 @@
                   <a16:creationId xmlns:a16="http://schemas.microsoft.com/office/drawing/2014/main" id="{32950BAF-7673-4138-AEA2-DE7D368CC357}"/>
                 </a:ext>
                 <a:ext uri="{C183D7F6-B498-43B3-948B-1728B52AA6E4}">
-                  <adec:decorative xmlns:adec="http://schemas.microsoft.com/office/drawing/2017/decorative" val="1"/>
+                  <adec:decorative xmlns:adec="http://schemas.microsoft.com/office/drawing/2017/decorative" xmlns="" val="1"/>
                 </a:ext>
               </a:extLst>
             </p:cNvPr>
@@ -4167,7 +4205,7 @@
                   <a16:creationId xmlns:a16="http://schemas.microsoft.com/office/drawing/2014/main" id="{6BE3E2B5-EA1C-415A-941A-843C7EA148E1}"/>
                 </a:ext>
                 <a:ext uri="{C183D7F6-B498-43B3-948B-1728B52AA6E4}">
-                  <adec:decorative xmlns:adec="http://schemas.microsoft.com/office/drawing/2017/decorative" val="1"/>
+                  <adec:decorative xmlns:adec="http://schemas.microsoft.com/office/drawing/2017/decorative" xmlns="" val="1"/>
                 </a:ext>
               </a:extLst>
             </p:cNvPr>
@@ -4219,7 +4257,7 @@
                   <a16:creationId xmlns:a16="http://schemas.microsoft.com/office/drawing/2014/main" id="{087FA3A6-E398-4576-B6B8-3328028D84B2}"/>
                 </a:ext>
                 <a:ext uri="{C183D7F6-B498-43B3-948B-1728B52AA6E4}">
-                  <adec:decorative xmlns:adec="http://schemas.microsoft.com/office/drawing/2017/decorative" val="1"/>
+                  <adec:decorative xmlns:adec="http://schemas.microsoft.com/office/drawing/2017/decorative" xmlns="" val="1"/>
                 </a:ext>
               </a:extLst>
             </p:cNvPr>
@@ -4271,7 +4309,7 @@
                   <a16:creationId xmlns:a16="http://schemas.microsoft.com/office/drawing/2014/main" id="{EFB597D7-65E0-476A-B9EB-3AA6ED33884C}"/>
                 </a:ext>
                 <a:ext uri="{C183D7F6-B498-43B3-948B-1728B52AA6E4}">
-                  <adec:decorative xmlns:adec="http://schemas.microsoft.com/office/drawing/2017/decorative" val="1"/>
+                  <adec:decorative xmlns:adec="http://schemas.microsoft.com/office/drawing/2017/decorative" xmlns="" val="1"/>
                 </a:ext>
               </a:extLst>
             </p:cNvPr>
@@ -4449,7 +4487,7 @@
                   <a16:creationId xmlns:a16="http://schemas.microsoft.com/office/drawing/2014/main" id="{11AA060A-BE0E-4687-8F9E-0E2955D9796D}"/>
                 </a:ext>
                 <a:ext uri="{C183D7F6-B498-43B3-948B-1728B52AA6E4}">
-                  <adec:decorative xmlns:adec="http://schemas.microsoft.com/office/drawing/2017/decorative" val="1"/>
+                  <adec:decorative xmlns:adec="http://schemas.microsoft.com/office/drawing/2017/decorative" xmlns="" val="1"/>
                 </a:ext>
               </a:extLst>
             </p:cNvPr>
@@ -4760,6 +4798,13 @@
   <p:clrMapOvr>
     <a:overrideClrMapping bg1="dk1" tx1="lt1" bg2="dk2" tx2="lt2" accent1="accent1" accent2="accent2" accent3="accent3" accent4="accent4" accent5="accent5" accent6="accent6" hlink="hlink" folHlink="folHlink"/>
   </p:clrMapOvr>
+  <p:timing>
+    <p:tnLst>
+      <p:par>
+        <p:cTn id="1" dur="indefinite" restart="never" nodeType="tmRoot"/>
+      </p:par>
+    </p:tnLst>
+  </p:timing>
 </p:sld>
 </file>
 
@@ -4782,6 +4827,52 @@
       </p:grpSpPr>
       <p:sp>
         <p:nvSpPr>
+          <p:cNvPr id="4" name="직사각형 3"/>
+          <p:cNvSpPr/>
+          <p:nvPr/>
+        </p:nvSpPr>
+        <p:spPr>
+          <a:xfrm>
+            <a:off x="3208713" y="2036618"/>
+            <a:ext cx="8370916" cy="4239491"/>
+          </a:xfrm>
+          <a:prstGeom prst="rect">
+            <a:avLst/>
+          </a:prstGeom>
+          <a:solidFill>
+            <a:schemeClr val="accent6">
+              <a:lumMod val="40000"/>
+              <a:lumOff val="60000"/>
+            </a:schemeClr>
+          </a:solidFill>
+        </p:spPr>
+        <p:style>
+          <a:lnRef idx="2">
+            <a:schemeClr val="accent1">
+              <a:shade val="50000"/>
+            </a:schemeClr>
+          </a:lnRef>
+          <a:fillRef idx="1">
+            <a:schemeClr val="accent1"/>
+          </a:fillRef>
+          <a:effectRef idx="0">
+            <a:schemeClr val="accent1"/>
+          </a:effectRef>
+          <a:fontRef idx="minor">
+            <a:schemeClr val="lt1"/>
+          </a:fontRef>
+        </p:style>
+        <p:txBody>
+          <a:bodyPr rtlCol="0" anchor="ctr"/>
+          <a:lstStyle/>
+          <a:p>
+            <a:pPr algn="ctr"/>
+            <a:endParaRPr lang="ko-KR" altLang="en-US"/>
+          </a:p>
+        </p:txBody>
+      </p:sp>
+      <p:sp>
+        <p:nvSpPr>
           <p:cNvPr id="2" name="제목 1">
             <a:extLst>
               <a:ext uri="{FF2B5EF4-FFF2-40B4-BE49-F238E27FC236}">
@@ -4849,95 +4940,38 @@
               <a:t>▶ </a:t>
             </a:r>
             <a:r>
-              <a:rPr lang="en-US" altLang="ko-KR" sz="2400" b="1" dirty="0">
+              <a:rPr lang="en-US" altLang="ko-KR" sz="2400" b="1" dirty="0" smtClean="0">
                 <a:latin typeface="+mj-lt"/>
               </a:rPr>
-              <a:t>4-2  </a:t>
-            </a:r>
-            <a:r>
-              <a:rPr lang="ko-KR" altLang="en-US" sz="2400" b="1" dirty="0">
+              <a:t>3-1  </a:t>
+            </a:r>
+            <a:r>
+              <a:rPr lang="ko-KR" altLang="en-US" sz="2400" b="1" dirty="0" smtClean="0">
                 <a:latin typeface="+mj-lt"/>
               </a:rPr>
-              <a:t>개발환경</a:t>
-            </a:r>
-            <a:endParaRPr lang="en-US" altLang="ko-KR" sz="2400" b="1" dirty="0">
-              <a:latin typeface="+mj-lt"/>
-            </a:endParaRPr>
-          </a:p>
-          <a:p>
-            <a:pPr marL="0" indent="0">
-              <a:buNone/>
-            </a:pPr>
+              <a:t>시연</a:t>
+            </a:r>
             <a:endParaRPr lang="en-US" altLang="ko-KR" dirty="0"/>
-          </a:p>
-          <a:p>
-            <a:pPr marL="0" indent="0">
-              <a:buNone/>
-            </a:pPr>
-            <a:r>
-              <a:rPr lang="ko-KR" altLang="en-US" dirty="0"/>
-              <a:t>다양한 기능과 </a:t>
-            </a:r>
-            <a:r>
-              <a:rPr lang="en-US" altLang="ko-KR" dirty="0"/>
-              <a:t>~~</a:t>
-            </a:r>
-            <a:br>
-              <a:rPr lang="en-US" altLang="ko-KR" dirty="0"/>
-            </a:br>
-            <a:r>
-              <a:rPr lang="en-US" altLang="ko-KR" dirty="0"/>
-              <a:t>~~~</a:t>
-            </a:r>
-          </a:p>
-          <a:p>
-            <a:pPr marL="0" indent="0">
-              <a:buNone/>
-            </a:pPr>
-            <a:r>
-              <a:rPr lang="en-US" altLang="ko-KR" dirty="0"/>
-              <a:t>~~~</a:t>
-            </a:r>
-          </a:p>
-          <a:p>
-            <a:pPr marL="0" indent="0">
-              <a:buNone/>
-            </a:pPr>
-            <a:r>
-              <a:rPr lang="en-US" altLang="ko-KR" dirty="0"/>
-              <a:t>~~~</a:t>
-            </a:r>
-          </a:p>
-          <a:p>
-            <a:pPr marL="0" indent="0">
-              <a:buNone/>
-            </a:pPr>
-            <a:r>
-              <a:rPr lang="en-US" altLang="ko-KR" dirty="0"/>
-              <a:t>~~~~</a:t>
-            </a:r>
-          </a:p>
-          <a:p>
-            <a:pPr marL="0" indent="0">
-              <a:buNone/>
-            </a:pPr>
-            <a:r>
-              <a:rPr lang="en-US" altLang="ko-KR" dirty="0"/>
-              <a:t>~~~~</a:t>
-            </a:r>
           </a:p>
         </p:txBody>
       </p:sp>
     </p:spTree>
     <p:extLst>
       <p:ext uri="{BB962C8B-B14F-4D97-AF65-F5344CB8AC3E}">
-        <p14:creationId xmlns:p14="http://schemas.microsoft.com/office/powerpoint/2010/main" val="2729873639"/>
+        <p14:creationId xmlns:p14="http://schemas.microsoft.com/office/powerpoint/2010/main" val="2281026995"/>
       </p:ext>
     </p:extLst>
   </p:cSld>
   <p:clrMapOvr>
     <a:masterClrMapping/>
   </p:clrMapOvr>
+  <p:timing>
+    <p:tnLst>
+      <p:par>
+        <p:cTn id="1" dur="indefinite" restart="never" nodeType="tmRoot"/>
+      </p:par>
+    </p:tnLst>
+  </p:timing>
 </p:sld>
 </file>
 
@@ -4960,6 +4994,52 @@
       </p:grpSpPr>
       <p:sp>
         <p:nvSpPr>
+          <p:cNvPr id="4" name="직사각형 3"/>
+          <p:cNvSpPr/>
+          <p:nvPr/>
+        </p:nvSpPr>
+        <p:spPr>
+          <a:xfrm>
+            <a:off x="3208713" y="2036618"/>
+            <a:ext cx="8370916" cy="4239491"/>
+          </a:xfrm>
+          <a:prstGeom prst="rect">
+            <a:avLst/>
+          </a:prstGeom>
+          <a:solidFill>
+            <a:schemeClr val="accent6">
+              <a:lumMod val="40000"/>
+              <a:lumOff val="60000"/>
+            </a:schemeClr>
+          </a:solidFill>
+        </p:spPr>
+        <p:style>
+          <a:lnRef idx="2">
+            <a:schemeClr val="accent1">
+              <a:shade val="50000"/>
+            </a:schemeClr>
+          </a:lnRef>
+          <a:fillRef idx="1">
+            <a:schemeClr val="accent1"/>
+          </a:fillRef>
+          <a:effectRef idx="0">
+            <a:schemeClr val="accent1"/>
+          </a:effectRef>
+          <a:fontRef idx="minor">
+            <a:schemeClr val="lt1"/>
+          </a:fontRef>
+        </p:style>
+        <p:txBody>
+          <a:bodyPr rtlCol="0" anchor="ctr"/>
+          <a:lstStyle/>
+          <a:p>
+            <a:pPr algn="ctr"/>
+            <a:endParaRPr lang="ko-KR" altLang="en-US"/>
+          </a:p>
+        </p:txBody>
+      </p:sp>
+      <p:sp>
+        <p:nvSpPr>
           <p:cNvPr id="2" name="제목 1">
             <a:extLst>
               <a:ext uri="{FF2B5EF4-FFF2-40B4-BE49-F238E27FC236}">
@@ -5027,6 +5107,1173 @@
               <a:t>▶ </a:t>
             </a:r>
             <a:r>
+              <a:rPr lang="en-US" altLang="ko-KR" sz="2400" b="1" dirty="0" smtClean="0">
+                <a:latin typeface="+mj-lt"/>
+              </a:rPr>
+              <a:t>3-1  </a:t>
+            </a:r>
+            <a:r>
+              <a:rPr lang="ko-KR" altLang="en-US" sz="2400" b="1" dirty="0" smtClean="0">
+                <a:latin typeface="+mj-lt"/>
+              </a:rPr>
+              <a:t>시연</a:t>
+            </a:r>
+            <a:endParaRPr lang="en-US" altLang="ko-KR" dirty="0"/>
+          </a:p>
+        </p:txBody>
+      </p:sp>
+    </p:spTree>
+    <p:extLst>
+      <p:ext uri="{BB962C8B-B14F-4D97-AF65-F5344CB8AC3E}">
+        <p14:creationId xmlns:p14="http://schemas.microsoft.com/office/powerpoint/2010/main" val="491811178"/>
+      </p:ext>
+    </p:extLst>
+  </p:cSld>
+  <p:clrMapOvr>
+    <a:masterClrMapping/>
+  </p:clrMapOvr>
+  <p:timing>
+    <p:tnLst>
+      <p:par>
+        <p:cTn id="1" dur="indefinite" restart="never" nodeType="tmRoot"/>
+      </p:par>
+    </p:tnLst>
+  </p:timing>
+</p:sld>
+</file>
+
+<file path=ppt/slides/slide12.xml><?xml version="1.0" encoding="utf-8"?>
+<p:sld xmlns:a="http://schemas.openxmlformats.org/drawingml/2006/main" xmlns:r="http://schemas.openxmlformats.org/officeDocument/2006/relationships" xmlns:p="http://schemas.openxmlformats.org/presentationml/2006/main">
+  <p:cSld>
+    <p:spTree>
+      <p:nvGrpSpPr>
+        <p:cNvPr id="1" name=""/>
+        <p:cNvGrpSpPr/>
+        <p:nvPr/>
+      </p:nvGrpSpPr>
+      <p:grpSpPr>
+        <a:xfrm>
+          <a:off x="0" y="0"/>
+          <a:ext cx="0" cy="0"/>
+          <a:chOff x="0" y="0"/>
+          <a:chExt cx="0" cy="0"/>
+        </a:xfrm>
+      </p:grpSpPr>
+      <p:sp>
+        <p:nvSpPr>
+          <p:cNvPr id="4" name="직사각형 3"/>
+          <p:cNvSpPr/>
+          <p:nvPr/>
+        </p:nvSpPr>
+        <p:spPr>
+          <a:xfrm>
+            <a:off x="3208713" y="2036618"/>
+            <a:ext cx="8370916" cy="4239491"/>
+          </a:xfrm>
+          <a:prstGeom prst="rect">
+            <a:avLst/>
+          </a:prstGeom>
+          <a:solidFill>
+            <a:schemeClr val="accent6">
+              <a:lumMod val="40000"/>
+              <a:lumOff val="60000"/>
+            </a:schemeClr>
+          </a:solidFill>
+        </p:spPr>
+        <p:style>
+          <a:lnRef idx="2">
+            <a:schemeClr val="accent1">
+              <a:shade val="50000"/>
+            </a:schemeClr>
+          </a:lnRef>
+          <a:fillRef idx="1">
+            <a:schemeClr val="accent1"/>
+          </a:fillRef>
+          <a:effectRef idx="0">
+            <a:schemeClr val="accent1"/>
+          </a:effectRef>
+          <a:fontRef idx="minor">
+            <a:schemeClr val="lt1"/>
+          </a:fontRef>
+        </p:style>
+        <p:txBody>
+          <a:bodyPr rtlCol="0" anchor="ctr"/>
+          <a:lstStyle/>
+          <a:p>
+            <a:pPr algn="ctr"/>
+            <a:endParaRPr lang="ko-KR" altLang="en-US"/>
+          </a:p>
+        </p:txBody>
+      </p:sp>
+      <p:sp>
+        <p:nvSpPr>
+          <p:cNvPr id="2" name="제목 1">
+            <a:extLst>
+              <a:ext uri="{FF2B5EF4-FFF2-40B4-BE49-F238E27FC236}">
+                <a16:creationId xmlns:a16="http://schemas.microsoft.com/office/drawing/2014/main" id="{C7110C8B-3F4A-2ED1-9FEB-A1EBC30E2856}"/>
+              </a:ext>
+            </a:extLst>
+          </p:cNvPr>
+          <p:cNvSpPr>
+            <a:spLocks noGrp="1"/>
+          </p:cNvSpPr>
+          <p:nvPr>
+            <p:ph type="title"/>
+          </p:nvPr>
+        </p:nvSpPr>
+        <p:spPr>
+          <a:xfrm>
+            <a:off x="828000" y="720000"/>
+            <a:ext cx="10515600" cy="833029"/>
+          </a:xfrm>
+        </p:spPr>
+        <p:txBody>
+          <a:bodyPr/>
+          <a:lstStyle/>
+          <a:p>
+            <a:r>
+              <a:rPr lang="ko-KR" altLang="en-US" sz="3200" b="1" dirty="0"/>
+              <a:t>■ 프로젝트 개요</a:t>
+            </a:r>
+          </a:p>
+        </p:txBody>
+      </p:sp>
+      <p:sp>
+        <p:nvSpPr>
+          <p:cNvPr id="3" name="내용 개체 틀 2">
+            <a:extLst>
+              <a:ext uri="{FF2B5EF4-FFF2-40B4-BE49-F238E27FC236}">
+                <a16:creationId xmlns:a16="http://schemas.microsoft.com/office/drawing/2014/main" id="{A52B6CEA-8202-7AB3-CA81-9F566E8A74A0}"/>
+              </a:ext>
+            </a:extLst>
+          </p:cNvPr>
+          <p:cNvSpPr>
+            <a:spLocks noGrp="1"/>
+          </p:cNvSpPr>
+          <p:nvPr>
+            <p:ph idx="1"/>
+          </p:nvPr>
+        </p:nvSpPr>
+        <p:spPr>
+          <a:xfrm>
+            <a:off x="1187116" y="1560352"/>
+            <a:ext cx="10166684" cy="4450834"/>
+          </a:xfrm>
+        </p:spPr>
+        <p:txBody>
+          <a:bodyPr/>
+          <a:lstStyle/>
+          <a:p>
+            <a:pPr marL="0" indent="0">
+              <a:buNone/>
+            </a:pPr>
+            <a:r>
+              <a:rPr lang="ko-KR" altLang="en-US" sz="2400" b="1" dirty="0">
+                <a:latin typeface="+mj-lt"/>
+              </a:rPr>
+              <a:t>▶ </a:t>
+            </a:r>
+            <a:r>
+              <a:rPr lang="en-US" altLang="ko-KR" sz="2400" b="1" dirty="0" smtClean="0">
+                <a:latin typeface="+mj-lt"/>
+              </a:rPr>
+              <a:t>3-1  </a:t>
+            </a:r>
+            <a:r>
+              <a:rPr lang="ko-KR" altLang="en-US" sz="2400" b="1" dirty="0" smtClean="0">
+                <a:latin typeface="+mj-lt"/>
+              </a:rPr>
+              <a:t>시연</a:t>
+            </a:r>
+            <a:endParaRPr lang="en-US" altLang="ko-KR" dirty="0"/>
+          </a:p>
+        </p:txBody>
+      </p:sp>
+    </p:spTree>
+    <p:extLst>
+      <p:ext uri="{BB962C8B-B14F-4D97-AF65-F5344CB8AC3E}">
+        <p14:creationId xmlns:p14="http://schemas.microsoft.com/office/powerpoint/2010/main" val="3475529253"/>
+      </p:ext>
+    </p:extLst>
+  </p:cSld>
+  <p:clrMapOvr>
+    <a:masterClrMapping/>
+  </p:clrMapOvr>
+  <p:timing>
+    <p:tnLst>
+      <p:par>
+        <p:cTn id="1" dur="indefinite" restart="never" nodeType="tmRoot"/>
+      </p:par>
+    </p:tnLst>
+  </p:timing>
+</p:sld>
+</file>
+
+<file path=ppt/slides/slide13.xml><?xml version="1.0" encoding="utf-8"?>
+<p:sld xmlns:a="http://schemas.openxmlformats.org/drawingml/2006/main" xmlns:r="http://schemas.openxmlformats.org/officeDocument/2006/relationships" xmlns:p="http://schemas.openxmlformats.org/presentationml/2006/main">
+  <p:cSld>
+    <p:spTree>
+      <p:nvGrpSpPr>
+        <p:cNvPr id="1" name=""/>
+        <p:cNvGrpSpPr/>
+        <p:nvPr/>
+      </p:nvGrpSpPr>
+      <p:grpSpPr>
+        <a:xfrm>
+          <a:off x="0" y="0"/>
+          <a:ext cx="0" cy="0"/>
+          <a:chOff x="0" y="0"/>
+          <a:chExt cx="0" cy="0"/>
+        </a:xfrm>
+      </p:grpSpPr>
+      <p:sp>
+        <p:nvSpPr>
+          <p:cNvPr id="4" name="직사각형 3"/>
+          <p:cNvSpPr/>
+          <p:nvPr/>
+        </p:nvSpPr>
+        <p:spPr>
+          <a:xfrm>
+            <a:off x="3208713" y="2036618"/>
+            <a:ext cx="8370916" cy="4239491"/>
+          </a:xfrm>
+          <a:prstGeom prst="rect">
+            <a:avLst/>
+          </a:prstGeom>
+          <a:solidFill>
+            <a:schemeClr val="accent6">
+              <a:lumMod val="40000"/>
+              <a:lumOff val="60000"/>
+            </a:schemeClr>
+          </a:solidFill>
+        </p:spPr>
+        <p:style>
+          <a:lnRef idx="2">
+            <a:schemeClr val="accent1">
+              <a:shade val="50000"/>
+            </a:schemeClr>
+          </a:lnRef>
+          <a:fillRef idx="1">
+            <a:schemeClr val="accent1"/>
+          </a:fillRef>
+          <a:effectRef idx="0">
+            <a:schemeClr val="accent1"/>
+          </a:effectRef>
+          <a:fontRef idx="minor">
+            <a:schemeClr val="lt1"/>
+          </a:fontRef>
+        </p:style>
+        <p:txBody>
+          <a:bodyPr rtlCol="0" anchor="ctr"/>
+          <a:lstStyle/>
+          <a:p>
+            <a:pPr algn="ctr"/>
+            <a:endParaRPr lang="ko-KR" altLang="en-US"/>
+          </a:p>
+        </p:txBody>
+      </p:sp>
+      <p:sp>
+        <p:nvSpPr>
+          <p:cNvPr id="2" name="제목 1">
+            <a:extLst>
+              <a:ext uri="{FF2B5EF4-FFF2-40B4-BE49-F238E27FC236}">
+                <a16:creationId xmlns:a16="http://schemas.microsoft.com/office/drawing/2014/main" id="{C7110C8B-3F4A-2ED1-9FEB-A1EBC30E2856}"/>
+              </a:ext>
+            </a:extLst>
+          </p:cNvPr>
+          <p:cNvSpPr>
+            <a:spLocks noGrp="1"/>
+          </p:cNvSpPr>
+          <p:nvPr>
+            <p:ph type="title"/>
+          </p:nvPr>
+        </p:nvSpPr>
+        <p:spPr>
+          <a:xfrm>
+            <a:off x="828000" y="720000"/>
+            <a:ext cx="10515600" cy="833029"/>
+          </a:xfrm>
+        </p:spPr>
+        <p:txBody>
+          <a:bodyPr/>
+          <a:lstStyle/>
+          <a:p>
+            <a:r>
+              <a:rPr lang="ko-KR" altLang="en-US" sz="3200" b="1" dirty="0"/>
+              <a:t>■ 프로젝트 개요</a:t>
+            </a:r>
+          </a:p>
+        </p:txBody>
+      </p:sp>
+      <p:sp>
+        <p:nvSpPr>
+          <p:cNvPr id="3" name="내용 개체 틀 2">
+            <a:extLst>
+              <a:ext uri="{FF2B5EF4-FFF2-40B4-BE49-F238E27FC236}">
+                <a16:creationId xmlns:a16="http://schemas.microsoft.com/office/drawing/2014/main" id="{A52B6CEA-8202-7AB3-CA81-9F566E8A74A0}"/>
+              </a:ext>
+            </a:extLst>
+          </p:cNvPr>
+          <p:cNvSpPr>
+            <a:spLocks noGrp="1"/>
+          </p:cNvSpPr>
+          <p:nvPr>
+            <p:ph idx="1"/>
+          </p:nvPr>
+        </p:nvSpPr>
+        <p:spPr>
+          <a:xfrm>
+            <a:off x="1187116" y="1560352"/>
+            <a:ext cx="10166684" cy="4450834"/>
+          </a:xfrm>
+        </p:spPr>
+        <p:txBody>
+          <a:bodyPr/>
+          <a:lstStyle/>
+          <a:p>
+            <a:pPr marL="0" indent="0">
+              <a:buNone/>
+            </a:pPr>
+            <a:r>
+              <a:rPr lang="ko-KR" altLang="en-US" sz="2400" b="1" dirty="0">
+                <a:latin typeface="+mj-lt"/>
+              </a:rPr>
+              <a:t>▶ </a:t>
+            </a:r>
+            <a:r>
+              <a:rPr lang="en-US" altLang="ko-KR" sz="2400" b="1" dirty="0" smtClean="0">
+                <a:latin typeface="+mj-lt"/>
+              </a:rPr>
+              <a:t>3-1  </a:t>
+            </a:r>
+            <a:r>
+              <a:rPr lang="ko-KR" altLang="en-US" sz="2400" b="1" dirty="0" smtClean="0">
+                <a:latin typeface="+mj-lt"/>
+              </a:rPr>
+              <a:t>시연</a:t>
+            </a:r>
+            <a:endParaRPr lang="en-US" altLang="ko-KR" dirty="0"/>
+          </a:p>
+        </p:txBody>
+      </p:sp>
+    </p:spTree>
+    <p:extLst>
+      <p:ext uri="{BB962C8B-B14F-4D97-AF65-F5344CB8AC3E}">
+        <p14:creationId xmlns:p14="http://schemas.microsoft.com/office/powerpoint/2010/main" val="2345457397"/>
+      </p:ext>
+    </p:extLst>
+  </p:cSld>
+  <p:clrMapOvr>
+    <a:masterClrMapping/>
+  </p:clrMapOvr>
+  <p:timing>
+    <p:tnLst>
+      <p:par>
+        <p:cTn id="1" dur="indefinite" restart="never" nodeType="tmRoot"/>
+      </p:par>
+    </p:tnLst>
+  </p:timing>
+</p:sld>
+</file>
+
+<file path=ppt/slides/slide14.xml><?xml version="1.0" encoding="utf-8"?>
+<p:sld xmlns:a="http://schemas.openxmlformats.org/drawingml/2006/main" xmlns:r="http://schemas.openxmlformats.org/officeDocument/2006/relationships" xmlns:p="http://schemas.openxmlformats.org/presentationml/2006/main">
+  <p:cSld>
+    <p:spTree>
+      <p:nvGrpSpPr>
+        <p:cNvPr id="1" name=""/>
+        <p:cNvGrpSpPr/>
+        <p:nvPr/>
+      </p:nvGrpSpPr>
+      <p:grpSpPr>
+        <a:xfrm>
+          <a:off x="0" y="0"/>
+          <a:ext cx="0" cy="0"/>
+          <a:chOff x="0" y="0"/>
+          <a:chExt cx="0" cy="0"/>
+        </a:xfrm>
+      </p:grpSpPr>
+      <p:sp>
+        <p:nvSpPr>
+          <p:cNvPr id="4" name="직사각형 3"/>
+          <p:cNvSpPr/>
+          <p:nvPr/>
+        </p:nvSpPr>
+        <p:spPr>
+          <a:xfrm>
+            <a:off x="3208713" y="2036618"/>
+            <a:ext cx="8370916" cy="4239491"/>
+          </a:xfrm>
+          <a:prstGeom prst="rect">
+            <a:avLst/>
+          </a:prstGeom>
+          <a:solidFill>
+            <a:schemeClr val="accent6">
+              <a:lumMod val="40000"/>
+              <a:lumOff val="60000"/>
+            </a:schemeClr>
+          </a:solidFill>
+        </p:spPr>
+        <p:style>
+          <a:lnRef idx="2">
+            <a:schemeClr val="accent1">
+              <a:shade val="50000"/>
+            </a:schemeClr>
+          </a:lnRef>
+          <a:fillRef idx="1">
+            <a:schemeClr val="accent1"/>
+          </a:fillRef>
+          <a:effectRef idx="0">
+            <a:schemeClr val="accent1"/>
+          </a:effectRef>
+          <a:fontRef idx="minor">
+            <a:schemeClr val="lt1"/>
+          </a:fontRef>
+        </p:style>
+        <p:txBody>
+          <a:bodyPr rtlCol="0" anchor="ctr"/>
+          <a:lstStyle/>
+          <a:p>
+            <a:pPr algn="ctr"/>
+            <a:endParaRPr lang="ko-KR" altLang="en-US"/>
+          </a:p>
+        </p:txBody>
+      </p:sp>
+      <p:sp>
+        <p:nvSpPr>
+          <p:cNvPr id="2" name="제목 1">
+            <a:extLst>
+              <a:ext uri="{FF2B5EF4-FFF2-40B4-BE49-F238E27FC236}">
+                <a16:creationId xmlns:a16="http://schemas.microsoft.com/office/drawing/2014/main" id="{C7110C8B-3F4A-2ED1-9FEB-A1EBC30E2856}"/>
+              </a:ext>
+            </a:extLst>
+          </p:cNvPr>
+          <p:cNvSpPr>
+            <a:spLocks noGrp="1"/>
+          </p:cNvSpPr>
+          <p:nvPr>
+            <p:ph type="title"/>
+          </p:nvPr>
+        </p:nvSpPr>
+        <p:spPr>
+          <a:xfrm>
+            <a:off x="828000" y="720000"/>
+            <a:ext cx="10515600" cy="833029"/>
+          </a:xfrm>
+        </p:spPr>
+        <p:txBody>
+          <a:bodyPr/>
+          <a:lstStyle/>
+          <a:p>
+            <a:r>
+              <a:rPr lang="ko-KR" altLang="en-US" sz="3200" b="1" dirty="0"/>
+              <a:t>■ 프로젝트 개요</a:t>
+            </a:r>
+          </a:p>
+        </p:txBody>
+      </p:sp>
+      <p:sp>
+        <p:nvSpPr>
+          <p:cNvPr id="3" name="내용 개체 틀 2">
+            <a:extLst>
+              <a:ext uri="{FF2B5EF4-FFF2-40B4-BE49-F238E27FC236}">
+                <a16:creationId xmlns:a16="http://schemas.microsoft.com/office/drawing/2014/main" id="{A52B6CEA-8202-7AB3-CA81-9F566E8A74A0}"/>
+              </a:ext>
+            </a:extLst>
+          </p:cNvPr>
+          <p:cNvSpPr>
+            <a:spLocks noGrp="1"/>
+          </p:cNvSpPr>
+          <p:nvPr>
+            <p:ph idx="1"/>
+          </p:nvPr>
+        </p:nvSpPr>
+        <p:spPr>
+          <a:xfrm>
+            <a:off x="1187116" y="1560352"/>
+            <a:ext cx="10166684" cy="4450834"/>
+          </a:xfrm>
+        </p:spPr>
+        <p:txBody>
+          <a:bodyPr/>
+          <a:lstStyle/>
+          <a:p>
+            <a:pPr marL="0" indent="0">
+              <a:buNone/>
+            </a:pPr>
+            <a:r>
+              <a:rPr lang="ko-KR" altLang="en-US" sz="2400" b="1" dirty="0">
+                <a:latin typeface="+mj-lt"/>
+              </a:rPr>
+              <a:t>▶ </a:t>
+            </a:r>
+            <a:r>
+              <a:rPr lang="en-US" altLang="ko-KR" sz="2400" b="1" dirty="0" smtClean="0">
+                <a:latin typeface="+mj-lt"/>
+              </a:rPr>
+              <a:t>3-1  </a:t>
+            </a:r>
+            <a:r>
+              <a:rPr lang="ko-KR" altLang="en-US" sz="2400" b="1" dirty="0" smtClean="0">
+                <a:latin typeface="+mj-lt"/>
+              </a:rPr>
+              <a:t>시연</a:t>
+            </a:r>
+            <a:endParaRPr lang="en-US" altLang="ko-KR" dirty="0"/>
+          </a:p>
+        </p:txBody>
+      </p:sp>
+    </p:spTree>
+    <p:extLst>
+      <p:ext uri="{BB962C8B-B14F-4D97-AF65-F5344CB8AC3E}">
+        <p14:creationId xmlns:p14="http://schemas.microsoft.com/office/powerpoint/2010/main" val="3582564880"/>
+      </p:ext>
+    </p:extLst>
+  </p:cSld>
+  <p:clrMapOvr>
+    <a:masterClrMapping/>
+  </p:clrMapOvr>
+  <p:timing>
+    <p:tnLst>
+      <p:par>
+        <p:cTn id="1" dur="indefinite" restart="never" nodeType="tmRoot"/>
+      </p:par>
+    </p:tnLst>
+  </p:timing>
+</p:sld>
+</file>
+
+<file path=ppt/slides/slide15.xml><?xml version="1.0" encoding="utf-8"?>
+<p:sld xmlns:a="http://schemas.openxmlformats.org/drawingml/2006/main" xmlns:r="http://schemas.openxmlformats.org/officeDocument/2006/relationships" xmlns:p="http://schemas.openxmlformats.org/presentationml/2006/main">
+  <p:cSld>
+    <p:spTree>
+      <p:nvGrpSpPr>
+        <p:cNvPr id="1" name=""/>
+        <p:cNvGrpSpPr/>
+        <p:nvPr/>
+      </p:nvGrpSpPr>
+      <p:grpSpPr>
+        <a:xfrm>
+          <a:off x="0" y="0"/>
+          <a:ext cx="0" cy="0"/>
+          <a:chOff x="0" y="0"/>
+          <a:chExt cx="0" cy="0"/>
+        </a:xfrm>
+      </p:grpSpPr>
+      <p:sp>
+        <p:nvSpPr>
+          <p:cNvPr id="4" name="직사각형 3"/>
+          <p:cNvSpPr/>
+          <p:nvPr/>
+        </p:nvSpPr>
+        <p:spPr>
+          <a:xfrm>
+            <a:off x="3208713" y="2036618"/>
+            <a:ext cx="8370916" cy="4239491"/>
+          </a:xfrm>
+          <a:prstGeom prst="rect">
+            <a:avLst/>
+          </a:prstGeom>
+          <a:solidFill>
+            <a:schemeClr val="accent6">
+              <a:lumMod val="40000"/>
+              <a:lumOff val="60000"/>
+            </a:schemeClr>
+          </a:solidFill>
+        </p:spPr>
+        <p:style>
+          <a:lnRef idx="2">
+            <a:schemeClr val="accent1">
+              <a:shade val="50000"/>
+            </a:schemeClr>
+          </a:lnRef>
+          <a:fillRef idx="1">
+            <a:schemeClr val="accent1"/>
+          </a:fillRef>
+          <a:effectRef idx="0">
+            <a:schemeClr val="accent1"/>
+          </a:effectRef>
+          <a:fontRef idx="minor">
+            <a:schemeClr val="lt1"/>
+          </a:fontRef>
+        </p:style>
+        <p:txBody>
+          <a:bodyPr rtlCol="0" anchor="ctr"/>
+          <a:lstStyle/>
+          <a:p>
+            <a:pPr algn="ctr"/>
+            <a:endParaRPr lang="ko-KR" altLang="en-US"/>
+          </a:p>
+        </p:txBody>
+      </p:sp>
+      <p:sp>
+        <p:nvSpPr>
+          <p:cNvPr id="2" name="제목 1">
+            <a:extLst>
+              <a:ext uri="{FF2B5EF4-FFF2-40B4-BE49-F238E27FC236}">
+                <a16:creationId xmlns:a16="http://schemas.microsoft.com/office/drawing/2014/main" id="{C7110C8B-3F4A-2ED1-9FEB-A1EBC30E2856}"/>
+              </a:ext>
+            </a:extLst>
+          </p:cNvPr>
+          <p:cNvSpPr>
+            <a:spLocks noGrp="1"/>
+          </p:cNvSpPr>
+          <p:nvPr>
+            <p:ph type="title"/>
+          </p:nvPr>
+        </p:nvSpPr>
+        <p:spPr>
+          <a:xfrm>
+            <a:off x="828000" y="720000"/>
+            <a:ext cx="10515600" cy="833029"/>
+          </a:xfrm>
+        </p:spPr>
+        <p:txBody>
+          <a:bodyPr/>
+          <a:lstStyle/>
+          <a:p>
+            <a:r>
+              <a:rPr lang="ko-KR" altLang="en-US" sz="3200" b="1" dirty="0"/>
+              <a:t>■ 프로젝트 개요</a:t>
+            </a:r>
+          </a:p>
+        </p:txBody>
+      </p:sp>
+      <p:sp>
+        <p:nvSpPr>
+          <p:cNvPr id="3" name="내용 개체 틀 2">
+            <a:extLst>
+              <a:ext uri="{FF2B5EF4-FFF2-40B4-BE49-F238E27FC236}">
+                <a16:creationId xmlns:a16="http://schemas.microsoft.com/office/drawing/2014/main" id="{A52B6CEA-8202-7AB3-CA81-9F566E8A74A0}"/>
+              </a:ext>
+            </a:extLst>
+          </p:cNvPr>
+          <p:cNvSpPr>
+            <a:spLocks noGrp="1"/>
+          </p:cNvSpPr>
+          <p:nvPr>
+            <p:ph idx="1"/>
+          </p:nvPr>
+        </p:nvSpPr>
+        <p:spPr>
+          <a:xfrm>
+            <a:off x="1187116" y="1560352"/>
+            <a:ext cx="10166684" cy="4450834"/>
+          </a:xfrm>
+        </p:spPr>
+        <p:txBody>
+          <a:bodyPr/>
+          <a:lstStyle/>
+          <a:p>
+            <a:pPr marL="0" indent="0">
+              <a:buNone/>
+            </a:pPr>
+            <a:r>
+              <a:rPr lang="ko-KR" altLang="en-US" sz="2400" b="1" dirty="0">
+                <a:latin typeface="+mj-lt"/>
+              </a:rPr>
+              <a:t>▶ </a:t>
+            </a:r>
+            <a:r>
+              <a:rPr lang="en-US" altLang="ko-KR" sz="2400" b="1" dirty="0" smtClean="0">
+                <a:latin typeface="+mj-lt"/>
+              </a:rPr>
+              <a:t>3-1  </a:t>
+            </a:r>
+            <a:r>
+              <a:rPr lang="ko-KR" altLang="en-US" sz="2400" b="1" dirty="0" smtClean="0">
+                <a:latin typeface="+mj-lt"/>
+              </a:rPr>
+              <a:t>시연</a:t>
+            </a:r>
+            <a:endParaRPr lang="en-US" altLang="ko-KR" dirty="0"/>
+          </a:p>
+        </p:txBody>
+      </p:sp>
+    </p:spTree>
+    <p:extLst>
+      <p:ext uri="{BB962C8B-B14F-4D97-AF65-F5344CB8AC3E}">
+        <p14:creationId xmlns:p14="http://schemas.microsoft.com/office/powerpoint/2010/main" val="2804115734"/>
+      </p:ext>
+    </p:extLst>
+  </p:cSld>
+  <p:clrMapOvr>
+    <a:masterClrMapping/>
+  </p:clrMapOvr>
+  <p:timing>
+    <p:tnLst>
+      <p:par>
+        <p:cTn id="1" dur="indefinite" restart="never" nodeType="tmRoot"/>
+      </p:par>
+    </p:tnLst>
+  </p:timing>
+</p:sld>
+</file>
+
+<file path=ppt/slides/slide16.xml><?xml version="1.0" encoding="utf-8"?>
+<p:sld xmlns:a="http://schemas.openxmlformats.org/drawingml/2006/main" xmlns:r="http://schemas.openxmlformats.org/officeDocument/2006/relationships" xmlns:p="http://schemas.openxmlformats.org/presentationml/2006/main">
+  <p:cSld>
+    <p:spTree>
+      <p:nvGrpSpPr>
+        <p:cNvPr id="1" name=""/>
+        <p:cNvGrpSpPr/>
+        <p:nvPr/>
+      </p:nvGrpSpPr>
+      <p:grpSpPr>
+        <a:xfrm>
+          <a:off x="0" y="0"/>
+          <a:ext cx="0" cy="0"/>
+          <a:chOff x="0" y="0"/>
+          <a:chExt cx="0" cy="0"/>
+        </a:xfrm>
+      </p:grpSpPr>
+      <p:sp>
+        <p:nvSpPr>
+          <p:cNvPr id="2" name="제목 1">
+            <a:extLst>
+              <a:ext uri="{FF2B5EF4-FFF2-40B4-BE49-F238E27FC236}">
+                <a16:creationId xmlns:a16="http://schemas.microsoft.com/office/drawing/2014/main" id="{C7110C8B-3F4A-2ED1-9FEB-A1EBC30E2856}"/>
+              </a:ext>
+            </a:extLst>
+          </p:cNvPr>
+          <p:cNvSpPr>
+            <a:spLocks noGrp="1"/>
+          </p:cNvSpPr>
+          <p:nvPr>
+            <p:ph type="title"/>
+          </p:nvPr>
+        </p:nvSpPr>
+        <p:spPr>
+          <a:xfrm>
+            <a:off x="828000" y="720000"/>
+            <a:ext cx="10515600" cy="833029"/>
+          </a:xfrm>
+        </p:spPr>
+        <p:txBody>
+          <a:bodyPr/>
+          <a:lstStyle/>
+          <a:p>
+            <a:r>
+              <a:rPr lang="ko-KR" altLang="en-US" sz="3200" b="1" dirty="0"/>
+              <a:t>■ 프로젝트 개요</a:t>
+            </a:r>
+          </a:p>
+        </p:txBody>
+      </p:sp>
+      <p:sp>
+        <p:nvSpPr>
+          <p:cNvPr id="3" name="내용 개체 틀 2">
+            <a:extLst>
+              <a:ext uri="{FF2B5EF4-FFF2-40B4-BE49-F238E27FC236}">
+                <a16:creationId xmlns:a16="http://schemas.microsoft.com/office/drawing/2014/main" id="{A52B6CEA-8202-7AB3-CA81-9F566E8A74A0}"/>
+              </a:ext>
+            </a:extLst>
+          </p:cNvPr>
+          <p:cNvSpPr>
+            <a:spLocks noGrp="1"/>
+          </p:cNvSpPr>
+          <p:nvPr>
+            <p:ph idx="1"/>
+          </p:nvPr>
+        </p:nvSpPr>
+        <p:spPr>
+          <a:xfrm>
+            <a:off x="1187116" y="1560352"/>
+            <a:ext cx="10166684" cy="4450834"/>
+          </a:xfrm>
+        </p:spPr>
+        <p:txBody>
+          <a:bodyPr/>
+          <a:lstStyle/>
+          <a:p>
+            <a:pPr marL="0" indent="0">
+              <a:buNone/>
+            </a:pPr>
+            <a:r>
+              <a:rPr lang="ko-KR" altLang="en-US" sz="2400" b="1" dirty="0">
+                <a:latin typeface="+mj-lt"/>
+              </a:rPr>
+              <a:t>▶ </a:t>
+            </a:r>
+            <a:r>
+              <a:rPr lang="en-US" altLang="ko-KR" sz="2400" b="1" dirty="0">
+                <a:latin typeface="+mj-lt"/>
+              </a:rPr>
+              <a:t>4-1  </a:t>
+            </a:r>
+            <a:r>
+              <a:rPr lang="ko-KR" altLang="en-US" sz="2400" b="1" dirty="0">
+                <a:latin typeface="+mj-lt"/>
+              </a:rPr>
+              <a:t>개발일정</a:t>
+            </a:r>
+            <a:endParaRPr lang="en-US" altLang="ko-KR" sz="2400" b="1" dirty="0">
+              <a:latin typeface="+mj-lt"/>
+            </a:endParaRPr>
+          </a:p>
+          <a:p>
+            <a:pPr marL="0" indent="0">
+              <a:buNone/>
+            </a:pPr>
+            <a:endParaRPr lang="en-US" altLang="ko-KR" dirty="0"/>
+          </a:p>
+        </p:txBody>
+      </p:sp>
+      <p:pic>
+        <p:nvPicPr>
+          <p:cNvPr id="8" name="그림 7"/>
+          <p:cNvPicPr>
+            <a:picLocks noChangeAspect="1"/>
+          </p:cNvPicPr>
+          <p:nvPr/>
+        </p:nvPicPr>
+        <p:blipFill>
+          <a:blip r:embed="rId2"/>
+          <a:stretch>
+            <a:fillRect/>
+          </a:stretch>
+        </p:blipFill>
+        <p:spPr>
+          <a:xfrm>
+            <a:off x="1440000" y="2088000"/>
+            <a:ext cx="9224064" cy="3811039"/>
+          </a:xfrm>
+          <a:prstGeom prst="rect">
+            <a:avLst/>
+          </a:prstGeom>
+        </p:spPr>
+      </p:pic>
+    </p:spTree>
+    <p:extLst>
+      <p:ext uri="{BB962C8B-B14F-4D97-AF65-F5344CB8AC3E}">
+        <p14:creationId xmlns:p14="http://schemas.microsoft.com/office/powerpoint/2010/main" val="976884450"/>
+      </p:ext>
+    </p:extLst>
+  </p:cSld>
+  <p:clrMapOvr>
+    <a:masterClrMapping/>
+  </p:clrMapOvr>
+  <p:timing>
+    <p:tnLst>
+      <p:par>
+        <p:cTn id="1" dur="indefinite" restart="never" nodeType="tmRoot"/>
+      </p:par>
+    </p:tnLst>
+  </p:timing>
+</p:sld>
+</file>
+
+<file path=ppt/slides/slide17.xml><?xml version="1.0" encoding="utf-8"?>
+<p:sld xmlns:a="http://schemas.openxmlformats.org/drawingml/2006/main" xmlns:r="http://schemas.openxmlformats.org/officeDocument/2006/relationships" xmlns:p="http://schemas.openxmlformats.org/presentationml/2006/main">
+  <p:cSld>
+    <p:spTree>
+      <p:nvGrpSpPr>
+        <p:cNvPr id="1" name=""/>
+        <p:cNvGrpSpPr/>
+        <p:nvPr/>
+      </p:nvGrpSpPr>
+      <p:grpSpPr>
+        <a:xfrm>
+          <a:off x="0" y="0"/>
+          <a:ext cx="0" cy="0"/>
+          <a:chOff x="0" y="0"/>
+          <a:chExt cx="0" cy="0"/>
+        </a:xfrm>
+      </p:grpSpPr>
+      <p:sp>
+        <p:nvSpPr>
+          <p:cNvPr id="2" name="제목 1">
+            <a:extLst>
+              <a:ext uri="{FF2B5EF4-FFF2-40B4-BE49-F238E27FC236}">
+                <a16:creationId xmlns:a16="http://schemas.microsoft.com/office/drawing/2014/main" id="{C7110C8B-3F4A-2ED1-9FEB-A1EBC30E2856}"/>
+              </a:ext>
+            </a:extLst>
+          </p:cNvPr>
+          <p:cNvSpPr>
+            <a:spLocks noGrp="1"/>
+          </p:cNvSpPr>
+          <p:nvPr>
+            <p:ph type="title"/>
+          </p:nvPr>
+        </p:nvSpPr>
+        <p:spPr>
+          <a:xfrm>
+            <a:off x="828000" y="720000"/>
+            <a:ext cx="10515600" cy="833029"/>
+          </a:xfrm>
+        </p:spPr>
+        <p:txBody>
+          <a:bodyPr/>
+          <a:lstStyle/>
+          <a:p>
+            <a:r>
+              <a:rPr lang="ko-KR" altLang="en-US" sz="3200" b="1" dirty="0"/>
+              <a:t>■ 프로젝트 개요</a:t>
+            </a:r>
+          </a:p>
+        </p:txBody>
+      </p:sp>
+      <p:sp>
+        <p:nvSpPr>
+          <p:cNvPr id="3" name="내용 개체 틀 2">
+            <a:extLst>
+              <a:ext uri="{FF2B5EF4-FFF2-40B4-BE49-F238E27FC236}">
+                <a16:creationId xmlns:a16="http://schemas.microsoft.com/office/drawing/2014/main" id="{A52B6CEA-8202-7AB3-CA81-9F566E8A74A0}"/>
+              </a:ext>
+            </a:extLst>
+          </p:cNvPr>
+          <p:cNvSpPr>
+            <a:spLocks noGrp="1"/>
+          </p:cNvSpPr>
+          <p:nvPr>
+            <p:ph idx="1"/>
+          </p:nvPr>
+        </p:nvSpPr>
+        <p:spPr>
+          <a:xfrm>
+            <a:off x="1187116" y="1560352"/>
+            <a:ext cx="10166684" cy="4450834"/>
+          </a:xfrm>
+        </p:spPr>
+        <p:txBody>
+          <a:bodyPr/>
+          <a:lstStyle/>
+          <a:p>
+            <a:pPr marL="0" indent="0">
+              <a:buNone/>
+            </a:pPr>
+            <a:r>
+              <a:rPr lang="ko-KR" altLang="en-US" sz="2400" b="1" dirty="0">
+                <a:latin typeface="+mj-lt"/>
+              </a:rPr>
+              <a:t>▶ </a:t>
+            </a:r>
+            <a:r>
+              <a:rPr lang="en-US" altLang="ko-KR" sz="2400" b="1" dirty="0">
+                <a:latin typeface="+mj-lt"/>
+              </a:rPr>
+              <a:t>4-2  </a:t>
+            </a:r>
+            <a:r>
+              <a:rPr lang="ko-KR" altLang="en-US" sz="2400" b="1" dirty="0">
+                <a:latin typeface="+mj-lt"/>
+              </a:rPr>
+              <a:t>개발환경</a:t>
+            </a:r>
+            <a:endParaRPr lang="en-US" altLang="ko-KR" sz="2400" b="1" dirty="0">
+              <a:latin typeface="+mj-lt"/>
+            </a:endParaRPr>
+          </a:p>
+          <a:p>
+            <a:pPr marL="0" indent="0">
+              <a:buNone/>
+            </a:pPr>
+            <a:endParaRPr lang="en-US" altLang="ko-KR" dirty="0"/>
+          </a:p>
+        </p:txBody>
+      </p:sp>
+      <p:pic>
+        <p:nvPicPr>
+          <p:cNvPr id="8" name="그림 7"/>
+          <p:cNvPicPr>
+            <a:picLocks noChangeAspect="1"/>
+          </p:cNvPicPr>
+          <p:nvPr/>
+        </p:nvPicPr>
+        <p:blipFill>
+          <a:blip r:embed="rId2"/>
+          <a:stretch>
+            <a:fillRect/>
+          </a:stretch>
+        </p:blipFill>
+        <p:spPr>
+          <a:xfrm>
+            <a:off x="1440000" y="2088000"/>
+            <a:ext cx="3489155" cy="1429641"/>
+          </a:xfrm>
+          <a:prstGeom prst="rect">
+            <a:avLst/>
+          </a:prstGeom>
+        </p:spPr>
+      </p:pic>
+      <p:pic>
+        <p:nvPicPr>
+          <p:cNvPr id="9" name="그림 8"/>
+          <p:cNvPicPr>
+            <a:picLocks noChangeAspect="1"/>
+          </p:cNvPicPr>
+          <p:nvPr/>
+        </p:nvPicPr>
+        <p:blipFill>
+          <a:blip r:embed="rId3"/>
+          <a:stretch>
+            <a:fillRect/>
+          </a:stretch>
+        </p:blipFill>
+        <p:spPr>
+          <a:xfrm>
+            <a:off x="1440000" y="3902850"/>
+            <a:ext cx="3448050" cy="1503738"/>
+          </a:xfrm>
+          <a:prstGeom prst="rect">
+            <a:avLst/>
+          </a:prstGeom>
+        </p:spPr>
+      </p:pic>
+      <p:pic>
+        <p:nvPicPr>
+          <p:cNvPr id="10" name="그림 9"/>
+          <p:cNvPicPr>
+            <a:picLocks noChangeAspect="1"/>
+          </p:cNvPicPr>
+          <p:nvPr/>
+        </p:nvPicPr>
+        <p:blipFill>
+          <a:blip r:embed="rId4"/>
+          <a:stretch>
+            <a:fillRect/>
+          </a:stretch>
+        </p:blipFill>
+        <p:spPr>
+          <a:xfrm>
+            <a:off x="5089031" y="2088000"/>
+            <a:ext cx="3228975" cy="3318588"/>
+          </a:xfrm>
+          <a:prstGeom prst="rect">
+            <a:avLst/>
+          </a:prstGeom>
+        </p:spPr>
+      </p:pic>
+      <p:pic>
+        <p:nvPicPr>
+          <p:cNvPr id="11" name="그림 10"/>
+          <p:cNvPicPr>
+            <a:picLocks noChangeAspect="1"/>
+          </p:cNvPicPr>
+          <p:nvPr/>
+        </p:nvPicPr>
+        <p:blipFill>
+          <a:blip r:embed="rId5"/>
+          <a:stretch>
+            <a:fillRect/>
+          </a:stretch>
+        </p:blipFill>
+        <p:spPr>
+          <a:xfrm>
+            <a:off x="8495271" y="2088000"/>
+            <a:ext cx="2691284" cy="3323586"/>
+          </a:xfrm>
+          <a:prstGeom prst="rect">
+            <a:avLst/>
+          </a:prstGeom>
+        </p:spPr>
+      </p:pic>
+    </p:spTree>
+    <p:extLst>
+      <p:ext uri="{BB962C8B-B14F-4D97-AF65-F5344CB8AC3E}">
+        <p14:creationId xmlns:p14="http://schemas.microsoft.com/office/powerpoint/2010/main" val="2729873639"/>
+      </p:ext>
+    </p:extLst>
+  </p:cSld>
+  <p:clrMapOvr>
+    <a:masterClrMapping/>
+  </p:clrMapOvr>
+  <p:timing>
+    <p:tnLst>
+      <p:par>
+        <p:cTn id="1" dur="indefinite" restart="never" nodeType="tmRoot"/>
+      </p:par>
+    </p:tnLst>
+  </p:timing>
+</p:sld>
+</file>
+
+<file path=ppt/slides/slide18.xml><?xml version="1.0" encoding="utf-8"?>
+<p:sld xmlns:a="http://schemas.openxmlformats.org/drawingml/2006/main" xmlns:r="http://schemas.openxmlformats.org/officeDocument/2006/relationships" xmlns:p="http://schemas.openxmlformats.org/presentationml/2006/main">
+  <p:cSld>
+    <p:spTree>
+      <p:nvGrpSpPr>
+        <p:cNvPr id="1" name=""/>
+        <p:cNvGrpSpPr/>
+        <p:nvPr/>
+      </p:nvGrpSpPr>
+      <p:grpSpPr>
+        <a:xfrm>
+          <a:off x="0" y="0"/>
+          <a:ext cx="0" cy="0"/>
+          <a:chOff x="0" y="0"/>
+          <a:chExt cx="0" cy="0"/>
+        </a:xfrm>
+      </p:grpSpPr>
+      <p:sp>
+        <p:nvSpPr>
+          <p:cNvPr id="2" name="제목 1">
+            <a:extLst>
+              <a:ext uri="{FF2B5EF4-FFF2-40B4-BE49-F238E27FC236}">
+                <a16:creationId xmlns:a16="http://schemas.microsoft.com/office/drawing/2014/main" id="{C7110C8B-3F4A-2ED1-9FEB-A1EBC30E2856}"/>
+              </a:ext>
+            </a:extLst>
+          </p:cNvPr>
+          <p:cNvSpPr>
+            <a:spLocks noGrp="1"/>
+          </p:cNvSpPr>
+          <p:nvPr>
+            <p:ph type="title"/>
+          </p:nvPr>
+        </p:nvSpPr>
+        <p:spPr>
+          <a:xfrm>
+            <a:off x="828000" y="720000"/>
+            <a:ext cx="10515600" cy="833029"/>
+          </a:xfrm>
+        </p:spPr>
+        <p:txBody>
+          <a:bodyPr/>
+          <a:lstStyle/>
+          <a:p>
+            <a:r>
+              <a:rPr lang="ko-KR" altLang="en-US" sz="3200" b="1" dirty="0"/>
+              <a:t>■ 프로젝트 개요</a:t>
+            </a:r>
+          </a:p>
+        </p:txBody>
+      </p:sp>
+      <p:sp>
+        <p:nvSpPr>
+          <p:cNvPr id="3" name="내용 개체 틀 2">
+            <a:extLst>
+              <a:ext uri="{FF2B5EF4-FFF2-40B4-BE49-F238E27FC236}">
+                <a16:creationId xmlns:a16="http://schemas.microsoft.com/office/drawing/2014/main" id="{A52B6CEA-8202-7AB3-CA81-9F566E8A74A0}"/>
+              </a:ext>
+            </a:extLst>
+          </p:cNvPr>
+          <p:cNvSpPr>
+            <a:spLocks noGrp="1"/>
+          </p:cNvSpPr>
+          <p:nvPr>
+            <p:ph idx="1"/>
+          </p:nvPr>
+        </p:nvSpPr>
+        <p:spPr>
+          <a:xfrm>
+            <a:off x="1187116" y="1560352"/>
+            <a:ext cx="10166684" cy="4450834"/>
+          </a:xfrm>
+        </p:spPr>
+        <p:txBody>
+          <a:bodyPr/>
+          <a:lstStyle/>
+          <a:p>
+            <a:pPr marL="0" indent="0">
+              <a:buNone/>
+            </a:pPr>
+            <a:r>
+              <a:rPr lang="ko-KR" altLang="en-US" sz="2400" b="1" dirty="0">
+                <a:latin typeface="+mj-lt"/>
+              </a:rPr>
+              <a:t>▶ </a:t>
+            </a:r>
+            <a:r>
               <a:rPr lang="en-US" altLang="ko-KR" sz="2400" b="1" dirty="0">
                 <a:latin typeface="+mj-lt"/>
               </a:rPr>
@@ -5046,63 +6293,74 @@
             <a:pPr marL="0" indent="0">
               <a:buNone/>
             </a:pPr>
+            <a:r>
+              <a:rPr lang="en-US" altLang="ko-KR" dirty="0" smtClean="0"/>
+              <a:t>  </a:t>
+            </a:r>
+            <a:r>
+              <a:rPr lang="ko-KR" altLang="en-US" dirty="0" smtClean="0"/>
+              <a:t>좋은 팀원과 함께 </a:t>
+            </a:r>
+            <a:r>
+              <a:rPr lang="ko-KR" altLang="en-US" dirty="0" err="1" smtClean="0"/>
+              <a:t>웹개발을</a:t>
+            </a:r>
+            <a:r>
+              <a:rPr lang="ko-KR" altLang="en-US" dirty="0" smtClean="0"/>
+              <a:t> 하며 다양한 경험을 하였고</a:t>
+            </a:r>
+            <a:endParaRPr lang="en-US" altLang="ko-KR" dirty="0" smtClean="0"/>
+          </a:p>
+          <a:p>
+            <a:pPr marL="0" indent="0">
+              <a:buNone/>
+            </a:pPr>
+            <a:r>
+              <a:rPr lang="en-US" altLang="ko-KR" dirty="0"/>
+              <a:t> </a:t>
+            </a:r>
+            <a:r>
+              <a:rPr lang="en-US" altLang="ko-KR" dirty="0" smtClean="0"/>
+              <a:t> </a:t>
+            </a:r>
+            <a:r>
+              <a:rPr lang="ko-KR" altLang="en-US" dirty="0" smtClean="0"/>
+              <a:t>미처 생각하지 못한 부분에도 더 다양한 </a:t>
+            </a:r>
+            <a:r>
+              <a:rPr lang="ko-KR" altLang="en-US" dirty="0" err="1" smtClean="0"/>
+              <a:t>편의기능이</a:t>
+            </a:r>
+            <a:r>
+              <a:rPr lang="ko-KR" altLang="en-US" dirty="0" smtClean="0"/>
+              <a:t> </a:t>
+            </a:r>
+            <a:r>
+              <a:rPr lang="ko-KR" altLang="en-US" dirty="0" err="1" smtClean="0"/>
+              <a:t>있다는것을</a:t>
+            </a:r>
+            <a:r>
+              <a:rPr lang="ko-KR" altLang="en-US" dirty="0" smtClean="0"/>
+              <a:t> </a:t>
+            </a:r>
+            <a:r>
+              <a:rPr lang="ko-KR" altLang="en-US" dirty="0" err="1" smtClean="0"/>
+              <a:t>깨닳았습니다</a:t>
+            </a:r>
+            <a:r>
+              <a:rPr lang="en-US" altLang="ko-KR" dirty="0" smtClean="0"/>
+              <a:t>.</a:t>
+            </a:r>
+          </a:p>
+          <a:p>
+            <a:pPr marL="0" indent="0">
+              <a:buNone/>
+            </a:pPr>
+            <a:r>
+              <a:rPr lang="en-US" altLang="ko-KR" dirty="0" smtClean="0"/>
+              <a:t>  </a:t>
+            </a:r>
             <a:endParaRPr lang="en-US" altLang="ko-KR" dirty="0"/>
-          </a:p>
-          <a:p>
-            <a:pPr marL="0" indent="0">
-              <a:buNone/>
-            </a:pPr>
-            <a:r>
-              <a:rPr lang="ko-KR" altLang="en-US" dirty="0"/>
-              <a:t>다양한 기능과 </a:t>
-            </a:r>
-            <a:r>
-              <a:rPr lang="en-US" altLang="ko-KR" dirty="0"/>
-              <a:t>~~</a:t>
-            </a:r>
-            <a:br>
-              <a:rPr lang="en-US" altLang="ko-KR" dirty="0"/>
-            </a:br>
-            <a:r>
-              <a:rPr lang="en-US" altLang="ko-KR" dirty="0"/>
-              <a:t>~~~</a:t>
-            </a:r>
-          </a:p>
-          <a:p>
-            <a:pPr marL="0" indent="0">
-              <a:buNone/>
-            </a:pPr>
-            <a:r>
-              <a:rPr lang="en-US" altLang="ko-KR" dirty="0"/>
-              <a:t>~~~</a:t>
-            </a:r>
-          </a:p>
-          <a:p>
-            <a:pPr marL="0" indent="0">
-              <a:buNone/>
-            </a:pPr>
-            <a:r>
-              <a:rPr lang="en-US" altLang="ko-KR" dirty="0"/>
-              <a:t>~~~</a:t>
-            </a:r>
-          </a:p>
-          <a:p>
-            <a:pPr marL="0" indent="0">
-              <a:buNone/>
-            </a:pPr>
-            <a:r>
-              <a:rPr lang="en-US" altLang="ko-KR" dirty="0"/>
-              <a:t>~~~~</a:t>
-            </a:r>
-          </a:p>
-          <a:p>
-            <a:pPr marL="0" indent="0">
-              <a:buNone/>
-            </a:pPr>
-            <a:r>
-              <a:rPr lang="en-US" altLang="ko-KR" dirty="0"/>
-              <a:t>~~~~</a:t>
-            </a:r>
           </a:p>
         </p:txBody>
       </p:sp>
@@ -5116,6 +6374,13 @@
   <p:clrMapOvr>
     <a:masterClrMapping/>
   </p:clrMapOvr>
+  <p:timing>
+    <p:tnLst>
+      <p:par>
+        <p:cTn id="1" dur="indefinite" restart="never" nodeType="tmRoot"/>
+      </p:par>
+    </p:tnLst>
+  </p:timing>
 </p:sld>
 </file>
 
@@ -5180,12 +6445,50 @@
               <a:buNone/>
             </a:pPr>
             <a:r>
+              <a:rPr lang="en-US" altLang="ko-KR" dirty="0" smtClean="0"/>
+              <a:t>	- </a:t>
+            </a:r>
+            <a:r>
+              <a:rPr lang="ko-KR" altLang="en-US" dirty="0" err="1" smtClean="0"/>
+              <a:t>개발동기</a:t>
+            </a:r>
+            <a:r>
+              <a:rPr lang="ko-KR" altLang="en-US" dirty="0" smtClean="0"/>
+              <a:t> 및 기획의도</a:t>
+            </a:r>
+            <a:endParaRPr lang="en-US" altLang="ko-KR" dirty="0" smtClean="0"/>
+          </a:p>
+          <a:p>
+            <a:pPr marL="0" indent="0">
+              <a:buNone/>
+            </a:pPr>
+            <a:endParaRPr lang="en-US" altLang="ko-KR" dirty="0"/>
+          </a:p>
+          <a:p>
+            <a:pPr marL="0" indent="0">
+              <a:buNone/>
+            </a:pPr>
+            <a:r>
+              <a:rPr lang="en-US" altLang="ko-KR" dirty="0"/>
+              <a:t>02 </a:t>
+            </a:r>
+            <a:r>
+              <a:rPr lang="ko-KR" altLang="en-US" dirty="0"/>
+              <a:t>프로젝트 상세</a:t>
+            </a:r>
+            <a:endParaRPr lang="en-US" altLang="ko-KR" dirty="0"/>
+          </a:p>
+          <a:p>
+            <a:pPr marL="0" indent="0">
+              <a:buNone/>
+            </a:pPr>
+            <a:r>
               <a:rPr lang="en-US" altLang="ko-KR" dirty="0"/>
               <a:t>	- </a:t>
             </a:r>
             <a:r>
               <a:rPr lang="ko-KR" altLang="en-US" dirty="0"/>
-              <a:t>개발동기</a:t>
+              <a:t>구조도</a:t>
             </a:r>
             <a:endParaRPr lang="en-US" altLang="ko-KR" dirty="0"/>
           </a:p>
@@ -5198,65 +6501,8 @@
               <a:t>	- </a:t>
             </a:r>
             <a:r>
-              <a:rPr lang="ko-KR" altLang="en-US" dirty="0"/>
-              <a:t>기획의도</a:t>
-            </a:r>
-            <a:endParaRPr lang="en-US" altLang="ko-KR" dirty="0"/>
-          </a:p>
-          <a:p>
-            <a:pPr marL="0" indent="0">
-              <a:buNone/>
-            </a:pPr>
-            <a:endParaRPr lang="en-US" altLang="ko-KR" dirty="0"/>
-          </a:p>
-          <a:p>
-            <a:pPr marL="0" indent="0">
-              <a:buNone/>
-            </a:pPr>
-            <a:r>
-              <a:rPr lang="en-US" altLang="ko-KR" dirty="0"/>
-              <a:t>02 </a:t>
-            </a:r>
-            <a:r>
-              <a:rPr lang="ko-KR" altLang="en-US" dirty="0"/>
-              <a:t>프로젝트 상세</a:t>
-            </a:r>
-            <a:endParaRPr lang="en-US" altLang="ko-KR" dirty="0"/>
-          </a:p>
-          <a:p>
-            <a:pPr marL="0" indent="0">
-              <a:buNone/>
-            </a:pPr>
-            <a:r>
-              <a:rPr lang="en-US" altLang="ko-KR" dirty="0"/>
-              <a:t>	- </a:t>
-            </a:r>
-            <a:r>
-              <a:rPr lang="ko-KR" altLang="en-US" dirty="0"/>
-              <a:t>구조도</a:t>
-            </a:r>
-            <a:endParaRPr lang="en-US" altLang="ko-KR" dirty="0"/>
-          </a:p>
-          <a:p>
-            <a:pPr marL="0" indent="0">
-              <a:buNone/>
-            </a:pPr>
-            <a:r>
-              <a:rPr lang="en-US" altLang="ko-KR" dirty="0"/>
-              <a:t>	- ERD</a:t>
-            </a:r>
-          </a:p>
-          <a:p>
-            <a:pPr marL="0" indent="0">
-              <a:buNone/>
-            </a:pPr>
-            <a:r>
-              <a:rPr lang="en-US" altLang="ko-KR" dirty="0"/>
-              <a:t>	- </a:t>
-            </a:r>
-            <a:r>
-              <a:rPr lang="ko-KR" altLang="en-US" dirty="0"/>
-              <a:t>기술설명</a:t>
+              <a:rPr lang="en-US" altLang="ko-KR" dirty="0" smtClean="0"/>
+              <a:t>ERD</a:t>
             </a:r>
             <a:endParaRPr lang="en-US" altLang="ko-KR" dirty="0"/>
           </a:p>
@@ -5490,8 +6736,8 @@
               <a:t>	- </a:t>
             </a:r>
             <a:r>
-              <a:rPr lang="ko-KR" altLang="en-US" dirty="0"/>
-              <a:t>시연영상</a:t>
+              <a:rPr lang="ko-KR" altLang="en-US" dirty="0" err="1" smtClean="0"/>
+              <a:t>기능소개</a:t>
             </a:r>
             <a:endParaRPr lang="en-US" altLang="ko-KR" dirty="0"/>
           </a:p>
@@ -5606,6 +6852,13 @@
   <p:clrMapOvr>
     <a:masterClrMapping/>
   </p:clrMapOvr>
+  <p:timing>
+    <p:tnLst>
+      <p:par>
+        <p:cTn id="1" dur="indefinite" restart="never" nodeType="tmRoot"/>
+      </p:par>
+    </p:tnLst>
+  </p:timing>
 </p:sld>
 </file>
 
@@ -5695,95 +6948,152 @@
               <a:t>▶ </a:t>
             </a:r>
             <a:r>
-              <a:rPr lang="en-US" altLang="ko-KR" sz="2400" b="1" dirty="0">
+              <a:rPr lang="en-US" altLang="ko-KR" sz="2400" b="1" dirty="0" smtClean="0">
                 <a:latin typeface="+mj-lt"/>
               </a:rPr>
-              <a:t>1-1  </a:t>
-            </a:r>
-            <a:r>
-              <a:rPr lang="ko-KR" altLang="en-US" sz="2400" b="1" dirty="0">
-                <a:latin typeface="+mj-lt"/>
-              </a:rPr>
+              <a:t>1  </a:t>
+            </a:r>
+            <a:r>
+              <a:rPr lang="ko-KR" altLang="en-US" sz="2400" b="1" dirty="0" err="1" smtClean="0"/>
               <a:t>개발동기</a:t>
             </a:r>
-            <a:endParaRPr lang="en-US" altLang="ko-KR" sz="2400" b="1" dirty="0">
-              <a:latin typeface="+mj-lt"/>
-            </a:endParaRPr>
+            <a:r>
+              <a:rPr lang="ko-KR" altLang="en-US" sz="2400" b="1" dirty="0" smtClean="0"/>
+              <a:t> </a:t>
+            </a:r>
+            <a:r>
+              <a:rPr lang="ko-KR" altLang="en-US" sz="2400" b="1" dirty="0"/>
+              <a:t>및 기획의도</a:t>
+            </a:r>
+            <a:endParaRPr lang="en-US" altLang="ko-KR" sz="2400" b="1" dirty="0"/>
           </a:p>
           <a:p>
             <a:pPr marL="0" indent="0">
               <a:buNone/>
             </a:pPr>
+            <a:r>
+              <a:rPr lang="ko-KR" altLang="en-US" dirty="0" smtClean="0"/>
+              <a:t>  당근과 같은 중고거래처럼 나의 물건을 좀 더 </a:t>
+            </a:r>
+            <a:r>
+              <a:rPr lang="ko-KR" altLang="en-US" dirty="0" err="1" smtClean="0"/>
+              <a:t>가치있게</a:t>
+            </a:r>
+            <a:r>
+              <a:rPr lang="ko-KR" altLang="en-US" dirty="0" smtClean="0"/>
+              <a:t> 판매하고 싶지만</a:t>
+            </a:r>
+            <a:endParaRPr lang="en-US" altLang="ko-KR" dirty="0" smtClean="0"/>
+          </a:p>
+          <a:p>
+            <a:pPr marL="0" indent="0">
+              <a:buNone/>
+            </a:pPr>
+            <a:r>
+              <a:rPr lang="ko-KR" altLang="en-US" dirty="0" smtClean="0"/>
+              <a:t>  여러 포털사이트에 검색결과 원하는 경매사이트는 찾을 수 </a:t>
+            </a:r>
+            <a:r>
+              <a:rPr lang="ko-KR" altLang="en-US" dirty="0" smtClean="0"/>
+              <a:t>없었습니다</a:t>
+            </a:r>
+            <a:r>
+              <a:rPr lang="en-US" altLang="ko-KR" dirty="0" smtClean="0"/>
+              <a:t>.</a:t>
+            </a:r>
             <a:endParaRPr lang="en-US" altLang="ko-KR" dirty="0"/>
           </a:p>
-          <a:p>
-            <a:pPr marL="0" indent="0">
-              <a:buNone/>
-            </a:pPr>
-            <a:r>
-              <a:rPr lang="ko-KR" altLang="en-US" dirty="0"/>
-              <a:t>다양한 기능과 </a:t>
-            </a:r>
-            <a:r>
-              <a:rPr lang="en-US" altLang="ko-KR" dirty="0"/>
-              <a:t>~~</a:t>
-            </a:r>
-            <a:br>
-              <a:rPr lang="en-US" altLang="ko-KR" dirty="0"/>
-            </a:br>
-            <a:r>
-              <a:rPr lang="en-US" altLang="ko-KR" dirty="0"/>
-              <a:t>~~~</a:t>
-            </a:r>
-          </a:p>
-          <a:p>
-            <a:pPr marL="0" indent="0">
-              <a:buNone/>
-            </a:pPr>
-            <a:r>
-              <a:rPr lang="en-US" altLang="ko-KR" dirty="0"/>
-              <a:t>~~~</a:t>
-            </a:r>
-          </a:p>
-          <a:p>
-            <a:pPr marL="0" indent="0">
-              <a:buNone/>
-            </a:pPr>
-            <a:r>
-              <a:rPr lang="en-US" altLang="ko-KR" dirty="0"/>
-              <a:t>~~~</a:t>
-            </a:r>
-          </a:p>
-          <a:p>
-            <a:pPr marL="0" indent="0">
-              <a:buNone/>
-            </a:pPr>
-            <a:r>
-              <a:rPr lang="en-US" altLang="ko-KR" dirty="0"/>
-              <a:t>~~~~</a:t>
-            </a:r>
-          </a:p>
-          <a:p>
-            <a:pPr marL="0" indent="0">
-              <a:buNone/>
-            </a:pPr>
-            <a:r>
-              <a:rPr lang="en-US" altLang="ko-KR" dirty="0"/>
-              <a:t>~~~~</a:t>
-            </a:r>
-          </a:p>
-        </p:txBody>
-      </p:sp>
+        </p:txBody>
+      </p:sp>
+      <p:pic>
+        <p:nvPicPr>
+          <p:cNvPr id="7" name="그림 6"/>
+          <p:cNvPicPr>
+            <a:picLocks noChangeAspect="1"/>
+          </p:cNvPicPr>
+          <p:nvPr/>
+        </p:nvPicPr>
+        <p:blipFill>
+          <a:blip r:embed="rId2"/>
+          <a:stretch>
+            <a:fillRect/>
+          </a:stretch>
+        </p:blipFill>
+        <p:spPr>
+          <a:xfrm>
+            <a:off x="1327054" y="3133898"/>
+            <a:ext cx="2476334" cy="2643476"/>
+          </a:xfrm>
+          <a:prstGeom prst="rect">
+            <a:avLst/>
+          </a:prstGeom>
+        </p:spPr>
+      </p:pic>
+      <p:pic>
+        <p:nvPicPr>
+          <p:cNvPr id="8" name="그림 7"/>
+          <p:cNvPicPr>
+            <a:picLocks noChangeAspect="1"/>
+          </p:cNvPicPr>
+          <p:nvPr/>
+        </p:nvPicPr>
+        <p:blipFill>
+          <a:blip r:embed="rId3"/>
+          <a:stretch>
+            <a:fillRect/>
+          </a:stretch>
+        </p:blipFill>
+        <p:spPr>
+          <a:xfrm>
+            <a:off x="3943326" y="3138811"/>
+            <a:ext cx="2582165" cy="2860023"/>
+          </a:xfrm>
+          <a:prstGeom prst="rect">
+            <a:avLst/>
+          </a:prstGeom>
+        </p:spPr>
+      </p:pic>
+      <p:pic>
+        <p:nvPicPr>
+          <p:cNvPr id="9" name="그림 8"/>
+          <p:cNvPicPr>
+            <a:picLocks noChangeAspect="1"/>
+          </p:cNvPicPr>
+          <p:nvPr/>
+        </p:nvPicPr>
+        <p:blipFill>
+          <a:blip r:embed="rId4"/>
+          <a:stretch>
+            <a:fillRect/>
+          </a:stretch>
+        </p:blipFill>
+        <p:spPr>
+          <a:xfrm>
+            <a:off x="6665428" y="3133899"/>
+            <a:ext cx="4678171" cy="2864936"/>
+          </a:xfrm>
+          <a:prstGeom prst="rect">
+            <a:avLst/>
+          </a:prstGeom>
+        </p:spPr>
+      </p:pic>
     </p:spTree>
     <p:extLst>
       <p:ext uri="{BB962C8B-B14F-4D97-AF65-F5344CB8AC3E}">
-        <p14:creationId xmlns:p14="http://schemas.microsoft.com/office/powerpoint/2010/main" val="1932129774"/>
+        <p14:creationId xmlns:p14="http://schemas.microsoft.com/office/powerpoint/2010/main" val="672819496"/>
       </p:ext>
     </p:extLst>
   </p:cSld>
   <p:clrMapOvr>
     <a:masterClrMapping/>
   </p:clrMapOvr>
+  <p:timing>
+    <p:tnLst>
+      <p:par>
+        <p:cTn id="1" dur="indefinite" restart="never" nodeType="tmRoot"/>
+      </p:par>
+    </p:tnLst>
+  </p:timing>
 </p:sld>
 </file>
 
@@ -5873,16 +7183,22 @@
               <a:t>▶ </a:t>
             </a:r>
             <a:r>
-              <a:rPr lang="en-US" altLang="ko-KR" sz="2400" b="1" dirty="0">
+              <a:rPr lang="en-US" altLang="ko-KR" sz="2400" b="1" dirty="0" smtClean="0">
                 <a:latin typeface="+mj-lt"/>
               </a:rPr>
-              <a:t>1-2  </a:t>
-            </a:r>
-            <a:r>
-              <a:rPr lang="ko-KR" altLang="en-US" sz="2400" b="1" dirty="0">
+              <a:t>1  </a:t>
+            </a:r>
+            <a:r>
+              <a:rPr lang="ko-KR" altLang="en-US" sz="2400" b="1" dirty="0" err="1" smtClean="0">
                 <a:latin typeface="+mj-lt"/>
               </a:rPr>
-              <a:t>기획의도</a:t>
+              <a:t>개발동기</a:t>
+            </a:r>
+            <a:r>
+              <a:rPr lang="ko-KR" altLang="en-US" sz="2400" b="1" dirty="0" smtClean="0">
+                <a:latin typeface="+mj-lt"/>
+              </a:rPr>
+              <a:t> 및 기획의도</a:t>
             </a:r>
             <a:endParaRPr lang="en-US" altLang="ko-KR" sz="2400" b="1" dirty="0">
               <a:latin typeface="+mj-lt"/>
@@ -5892,76 +7208,238 @@
             <a:pPr marL="0" indent="0">
               <a:buNone/>
             </a:pPr>
+            <a:r>
+              <a:rPr lang="ko-KR" altLang="en-US" dirty="0" smtClean="0"/>
+              <a:t>  고가의 </a:t>
+            </a:r>
+            <a:r>
+              <a:rPr lang="ko-KR" altLang="en-US" dirty="0" err="1" smtClean="0"/>
+              <a:t>경매</a:t>
+            </a:r>
+            <a:r>
+              <a:rPr lang="ko-KR" altLang="en-US" dirty="0" err="1" smtClean="0"/>
+              <a:t>품</a:t>
+            </a:r>
+            <a:r>
+              <a:rPr lang="en-US" altLang="ko-KR" dirty="0"/>
+              <a:t>.</a:t>
+            </a:r>
+            <a:r>
+              <a:rPr lang="en-US" altLang="ko-KR" dirty="0" smtClean="0"/>
+              <a:t> </a:t>
+            </a:r>
+            <a:r>
+              <a:rPr lang="ko-KR" altLang="en-US" dirty="0" smtClean="0"/>
+              <a:t>어려운 전문용어</a:t>
+            </a:r>
+            <a:r>
+              <a:rPr lang="en-US" altLang="ko-KR" dirty="0"/>
+              <a:t>.</a:t>
+            </a:r>
+            <a:r>
+              <a:rPr lang="en-US" altLang="ko-KR" dirty="0" smtClean="0"/>
+              <a:t> </a:t>
+            </a:r>
+            <a:r>
+              <a:rPr lang="ko-KR" altLang="en-US" dirty="0" smtClean="0"/>
+              <a:t>값비싼 수수료</a:t>
+            </a:r>
+            <a:r>
+              <a:rPr lang="en-US" altLang="ko-KR" dirty="0" smtClean="0"/>
+              <a:t>.</a:t>
+            </a:r>
+            <a:endParaRPr lang="en-US" altLang="ko-KR" dirty="0" smtClean="0"/>
+          </a:p>
+          <a:p>
+            <a:pPr marL="0" indent="0">
+              <a:buNone/>
+            </a:pPr>
+            <a:r>
+              <a:rPr lang="en-US" altLang="ko-KR" dirty="0" smtClean="0"/>
+              <a:t>  </a:t>
+            </a:r>
+            <a:r>
+              <a:rPr lang="ko-KR" altLang="en-US" dirty="0" smtClean="0"/>
+              <a:t>경매를 쉽고 친근하게 다가가기 위한 사이트도 하나쯤 필요했습니다</a:t>
+            </a:r>
+            <a:r>
+              <a:rPr lang="en-US" altLang="ko-KR" dirty="0" smtClean="0"/>
+              <a:t>.</a:t>
+            </a:r>
+          </a:p>
+          <a:p>
+            <a:pPr marL="0" indent="0">
+              <a:buNone/>
+            </a:pPr>
+            <a:r>
+              <a:rPr lang="en-US" altLang="ko-KR" dirty="0" smtClean="0"/>
+              <a:t>  </a:t>
+            </a:r>
             <a:endParaRPr lang="en-US" altLang="ko-KR" dirty="0"/>
           </a:p>
-          <a:p>
-            <a:pPr marL="0" indent="0">
-              <a:buNone/>
-            </a:pPr>
-            <a:r>
-              <a:rPr lang="ko-KR" altLang="en-US" dirty="0"/>
-              <a:t>다양한 기능과 </a:t>
-            </a:r>
-            <a:r>
-              <a:rPr lang="en-US" altLang="ko-KR" dirty="0"/>
-              <a:t>~~</a:t>
-            </a:r>
-            <a:br>
-              <a:rPr lang="en-US" altLang="ko-KR" dirty="0"/>
-            </a:br>
-            <a:r>
-              <a:rPr lang="en-US" altLang="ko-KR" dirty="0"/>
-              <a:t>~~~</a:t>
-            </a:r>
-          </a:p>
-          <a:p>
-            <a:pPr marL="0" indent="0">
-              <a:buNone/>
-            </a:pPr>
-            <a:r>
-              <a:rPr lang="en-US" altLang="ko-KR" dirty="0"/>
-              <a:t>~~~</a:t>
-            </a:r>
-          </a:p>
-          <a:p>
-            <a:pPr marL="0" indent="0">
-              <a:buNone/>
-            </a:pPr>
-            <a:r>
-              <a:rPr lang="en-US" altLang="ko-KR" dirty="0"/>
-              <a:t>~~~</a:t>
-            </a:r>
-          </a:p>
-          <a:p>
-            <a:pPr marL="0" indent="0">
-              <a:buNone/>
-            </a:pPr>
-            <a:r>
-              <a:rPr lang="en-US" altLang="ko-KR" dirty="0"/>
-              <a:t>~~~~</a:t>
-            </a:r>
-          </a:p>
-          <a:p>
-            <a:pPr marL="0" indent="0">
-              <a:buNone/>
-            </a:pPr>
-            <a:r>
-              <a:rPr lang="en-US" altLang="ko-KR" dirty="0"/>
-              <a:t>~~~~</a:t>
-            </a:r>
-          </a:p>
-        </p:txBody>
-      </p:sp>
+        </p:txBody>
+      </p:sp>
+      <p:pic>
+        <p:nvPicPr>
+          <p:cNvPr id="5" name="그림 4"/>
+          <p:cNvPicPr>
+            <a:picLocks noChangeAspect="1"/>
+          </p:cNvPicPr>
+          <p:nvPr/>
+        </p:nvPicPr>
+        <p:blipFill>
+          <a:blip r:embed="rId2"/>
+          <a:stretch>
+            <a:fillRect/>
+          </a:stretch>
+        </p:blipFill>
+        <p:spPr>
+          <a:xfrm>
+            <a:off x="5165586" y="3233298"/>
+            <a:ext cx="1933845" cy="443974"/>
+          </a:xfrm>
+          <a:prstGeom prst="rect">
+            <a:avLst/>
+          </a:prstGeom>
+        </p:spPr>
+      </p:pic>
+      <p:pic>
+        <p:nvPicPr>
+          <p:cNvPr id="6" name="그림 5"/>
+          <p:cNvPicPr>
+            <a:picLocks noChangeAspect="1"/>
+          </p:cNvPicPr>
+          <p:nvPr/>
+        </p:nvPicPr>
+        <p:blipFill>
+          <a:blip r:embed="rId3"/>
+          <a:stretch>
+            <a:fillRect/>
+          </a:stretch>
+        </p:blipFill>
+        <p:spPr>
+          <a:xfrm>
+            <a:off x="1187116" y="3233298"/>
+            <a:ext cx="3724795" cy="1028844"/>
+          </a:xfrm>
+          <a:prstGeom prst="rect">
+            <a:avLst/>
+          </a:prstGeom>
+        </p:spPr>
+      </p:pic>
+      <p:pic>
+        <p:nvPicPr>
+          <p:cNvPr id="7" name="그림 6"/>
+          <p:cNvPicPr>
+            <a:picLocks noChangeAspect="1"/>
+          </p:cNvPicPr>
+          <p:nvPr/>
+        </p:nvPicPr>
+        <p:blipFill>
+          <a:blip r:embed="rId4"/>
+          <a:stretch>
+            <a:fillRect/>
+          </a:stretch>
+        </p:blipFill>
+        <p:spPr>
+          <a:xfrm>
+            <a:off x="1187116" y="4376274"/>
+            <a:ext cx="3345278" cy="1622560"/>
+          </a:xfrm>
+          <a:prstGeom prst="rect">
+            <a:avLst/>
+          </a:prstGeom>
+        </p:spPr>
+      </p:pic>
+      <p:pic>
+        <p:nvPicPr>
+          <p:cNvPr id="8" name="그림 7"/>
+          <p:cNvPicPr>
+            <a:picLocks noChangeAspect="1"/>
+          </p:cNvPicPr>
+          <p:nvPr/>
+        </p:nvPicPr>
+        <p:blipFill>
+          <a:blip r:embed="rId5"/>
+          <a:stretch>
+            <a:fillRect/>
+          </a:stretch>
+        </p:blipFill>
+        <p:spPr>
+          <a:xfrm>
+            <a:off x="5165586" y="4809314"/>
+            <a:ext cx="2939323" cy="1189520"/>
+          </a:xfrm>
+          <a:prstGeom prst="rect">
+            <a:avLst/>
+          </a:prstGeom>
+        </p:spPr>
+      </p:pic>
+      <p:pic>
+        <p:nvPicPr>
+          <p:cNvPr id="9" name="그림 8"/>
+          <p:cNvPicPr>
+            <a:picLocks noChangeAspect="1"/>
+          </p:cNvPicPr>
+          <p:nvPr/>
+        </p:nvPicPr>
+        <p:blipFill>
+          <a:blip r:embed="rId6"/>
+          <a:stretch>
+            <a:fillRect/>
+          </a:stretch>
+        </p:blipFill>
+        <p:spPr>
+          <a:xfrm>
+            <a:off x="5165586" y="3866367"/>
+            <a:ext cx="2010056" cy="628738"/>
+          </a:xfrm>
+          <a:prstGeom prst="rect">
+            <a:avLst/>
+          </a:prstGeom>
+        </p:spPr>
+      </p:pic>
+      <p:pic>
+        <p:nvPicPr>
+          <p:cNvPr id="10" name="그림 9"/>
+          <p:cNvPicPr>
+            <a:picLocks noChangeAspect="1"/>
+          </p:cNvPicPr>
+          <p:nvPr/>
+        </p:nvPicPr>
+        <p:blipFill>
+          <a:blip r:embed="rId7"/>
+          <a:stretch>
+            <a:fillRect/>
+          </a:stretch>
+        </p:blipFill>
+        <p:spPr>
+          <a:xfrm>
+            <a:off x="7353106" y="3233298"/>
+            <a:ext cx="4003633" cy="1484533"/>
+          </a:xfrm>
+          <a:prstGeom prst="rect">
+            <a:avLst/>
+          </a:prstGeom>
+        </p:spPr>
+      </p:pic>
     </p:spTree>
     <p:extLst>
       <p:ext uri="{BB962C8B-B14F-4D97-AF65-F5344CB8AC3E}">
-        <p14:creationId xmlns:p14="http://schemas.microsoft.com/office/powerpoint/2010/main" val="2096596312"/>
+        <p14:creationId xmlns:p14="http://schemas.microsoft.com/office/powerpoint/2010/main" val="1932129774"/>
       </p:ext>
     </p:extLst>
   </p:cSld>
   <p:clrMapOvr>
     <a:masterClrMapping/>
   </p:clrMapOvr>
+  <p:timing>
+    <p:tnLst>
+      <p:par>
+        <p:cTn id="1" dur="indefinite" restart="never" nodeType="tmRoot"/>
+      </p:par>
+    </p:tnLst>
+  </p:timing>
 </p:sld>
 </file>
 
@@ -6072,64 +7550,32 @@
             </a:pPr>
             <a:endParaRPr lang="en-US" altLang="ko-KR" dirty="0"/>
           </a:p>
-          <a:p>
-            <a:pPr marL="0" indent="0">
-              <a:buNone/>
-            </a:pPr>
-            <a:r>
-              <a:rPr lang="ko-KR" altLang="en-US" dirty="0"/>
-              <a:t>다양한 기능과 </a:t>
-            </a:r>
-            <a:r>
-              <a:rPr lang="en-US" altLang="ko-KR" dirty="0"/>
-              <a:t>~~</a:t>
-            </a:r>
-            <a:br>
-              <a:rPr lang="en-US" altLang="ko-KR" dirty="0"/>
-            </a:br>
-            <a:r>
-              <a:rPr lang="en-US" altLang="ko-KR" dirty="0"/>
-              <a:t>~~~</a:t>
-            </a:r>
-          </a:p>
-          <a:p>
-            <a:pPr marL="0" indent="0">
-              <a:buNone/>
-            </a:pPr>
-            <a:r>
-              <a:rPr lang="en-US" altLang="ko-KR" dirty="0"/>
-              <a:t>~~~</a:t>
-            </a:r>
-          </a:p>
-          <a:p>
-            <a:pPr marL="0" indent="0">
-              <a:buNone/>
-            </a:pPr>
-            <a:r>
-              <a:rPr lang="en-US" altLang="ko-KR" dirty="0"/>
-              <a:t>~~~</a:t>
-            </a:r>
-          </a:p>
-          <a:p>
-            <a:pPr marL="0" indent="0">
-              <a:buNone/>
-            </a:pPr>
-            <a:r>
-              <a:rPr lang="en-US" altLang="ko-KR" dirty="0"/>
-              <a:t>~~~~</a:t>
-            </a:r>
-          </a:p>
-          <a:p>
-            <a:pPr marL="0" indent="0">
-              <a:buNone/>
-            </a:pPr>
-            <a:r>
-              <a:rPr lang="en-US" altLang="ko-KR" dirty="0"/>
-              <a:t>~~~~</a:t>
-            </a:r>
-          </a:p>
-        </p:txBody>
-      </p:sp>
+        </p:txBody>
+      </p:sp>
+      <p:pic>
+        <p:nvPicPr>
+          <p:cNvPr id="5" name="그림 4"/>
+          <p:cNvPicPr>
+            <a:picLocks noChangeAspect="1"/>
+          </p:cNvPicPr>
+          <p:nvPr/>
+        </p:nvPicPr>
+        <p:blipFill>
+          <a:blip r:embed="rId2"/>
+          <a:stretch>
+            <a:fillRect/>
+          </a:stretch>
+        </p:blipFill>
+        <p:spPr>
+          <a:xfrm>
+            <a:off x="1440000" y="2086494"/>
+            <a:ext cx="8421125" cy="3997023"/>
+          </a:xfrm>
+          <a:prstGeom prst="rect">
+            <a:avLst/>
+          </a:prstGeom>
+        </p:spPr>
+      </p:pic>
     </p:spTree>
     <p:extLst>
       <p:ext uri="{BB962C8B-B14F-4D97-AF65-F5344CB8AC3E}">
@@ -6140,6 +7586,13 @@
   <p:clrMapOvr>
     <a:masterClrMapping/>
   </p:clrMapOvr>
+  <p:timing>
+    <p:tnLst>
+      <p:par>
+        <p:cTn id="1" dur="indefinite" restart="never" nodeType="tmRoot"/>
+      </p:par>
+    </p:tnLst>
+  </p:timing>
 </p:sld>
 </file>
 
@@ -6245,60 +7698,34 @@
             <a:pPr marL="0" indent="0">
               <a:buNone/>
             </a:pPr>
-            <a:r>
-              <a:rPr lang="ko-KR" altLang="en-US" dirty="0"/>
-              <a:t>다양한 기능과 </a:t>
-            </a:r>
-            <a:r>
-              <a:rPr lang="en-US" altLang="ko-KR" dirty="0"/>
-              <a:t>~~</a:t>
-            </a:r>
-            <a:br>
-              <a:rPr lang="en-US" altLang="ko-KR" dirty="0"/>
-            </a:br>
-            <a:r>
-              <a:rPr lang="en-US" altLang="ko-KR" dirty="0"/>
-              <a:t>~~~</a:t>
-            </a:r>
-          </a:p>
-          <a:p>
-            <a:pPr marL="0" indent="0">
-              <a:buNone/>
-            </a:pPr>
-            <a:r>
-              <a:rPr lang="en-US" altLang="ko-KR" dirty="0"/>
-              <a:t>~~~</a:t>
-            </a:r>
-          </a:p>
-          <a:p>
-            <a:pPr marL="0" indent="0">
-              <a:buNone/>
-            </a:pPr>
-            <a:r>
-              <a:rPr lang="en-US" altLang="ko-KR" dirty="0"/>
-              <a:t>~~~</a:t>
-            </a:r>
-          </a:p>
-          <a:p>
-            <a:pPr marL="0" indent="0">
-              <a:buNone/>
-            </a:pPr>
-            <a:r>
-              <a:rPr lang="en-US" altLang="ko-KR" dirty="0"/>
-              <a:t>~~~~</a:t>
-            </a:r>
-          </a:p>
-          <a:p>
-            <a:pPr marL="0" indent="0">
-              <a:buNone/>
-            </a:pPr>
-            <a:r>
-              <a:rPr lang="en-US" altLang="ko-KR" dirty="0"/>
-              <a:t>~~~~</a:t>
-            </a:r>
-          </a:p>
-        </p:txBody>
-      </p:sp>
+            <a:endParaRPr lang="en-US" altLang="ko-KR" dirty="0"/>
+          </a:p>
+        </p:txBody>
+      </p:sp>
+      <p:pic>
+        <p:nvPicPr>
+          <p:cNvPr id="4" name="그림 3"/>
+          <p:cNvPicPr>
+            <a:picLocks noChangeAspect="1"/>
+          </p:cNvPicPr>
+          <p:nvPr/>
+        </p:nvPicPr>
+        <p:blipFill>
+          <a:blip r:embed="rId2"/>
+          <a:stretch>
+            <a:fillRect/>
+          </a:stretch>
+        </p:blipFill>
+        <p:spPr>
+          <a:xfrm>
+            <a:off x="1440000" y="2088000"/>
+            <a:ext cx="7774767" cy="3990454"/>
+          </a:xfrm>
+          <a:prstGeom prst="rect">
+            <a:avLst/>
+          </a:prstGeom>
+        </p:spPr>
+      </p:pic>
     </p:spTree>
     <p:extLst>
       <p:ext uri="{BB962C8B-B14F-4D97-AF65-F5344CB8AC3E}">
@@ -6309,6 +7736,13 @@
   <p:clrMapOvr>
     <a:masterClrMapping/>
   </p:clrMapOvr>
+  <p:timing>
+    <p:tnLst>
+      <p:par>
+        <p:cTn id="1" dur="indefinite" restart="never" nodeType="tmRoot"/>
+      </p:par>
+    </p:tnLst>
+  </p:timing>
 </p:sld>
 </file>
 
@@ -6331,6 +7765,52 @@
       </p:grpSpPr>
       <p:sp>
         <p:nvSpPr>
+          <p:cNvPr id="4" name="직사각형 3"/>
+          <p:cNvSpPr/>
+          <p:nvPr/>
+        </p:nvSpPr>
+        <p:spPr>
+          <a:xfrm>
+            <a:off x="3208713" y="2036618"/>
+            <a:ext cx="8370916" cy="4239491"/>
+          </a:xfrm>
+          <a:prstGeom prst="rect">
+            <a:avLst/>
+          </a:prstGeom>
+          <a:solidFill>
+            <a:schemeClr val="accent6">
+              <a:lumMod val="40000"/>
+              <a:lumOff val="60000"/>
+            </a:schemeClr>
+          </a:solidFill>
+        </p:spPr>
+        <p:style>
+          <a:lnRef idx="2">
+            <a:schemeClr val="accent1">
+              <a:shade val="50000"/>
+            </a:schemeClr>
+          </a:lnRef>
+          <a:fillRef idx="1">
+            <a:schemeClr val="accent1"/>
+          </a:fillRef>
+          <a:effectRef idx="0">
+            <a:schemeClr val="accent1"/>
+          </a:effectRef>
+          <a:fontRef idx="minor">
+            <a:schemeClr val="lt1"/>
+          </a:fontRef>
+        </p:style>
+        <p:txBody>
+          <a:bodyPr rtlCol="0" anchor="ctr"/>
+          <a:lstStyle/>
+          <a:p>
+            <a:pPr algn="ctr"/>
+            <a:endParaRPr lang="ko-KR" altLang="en-US"/>
+          </a:p>
+        </p:txBody>
+      </p:sp>
+      <p:sp>
+        <p:nvSpPr>
           <p:cNvPr id="2" name="제목 1">
             <a:extLst>
               <a:ext uri="{FF2B5EF4-FFF2-40B4-BE49-F238E27FC236}">
@@ -6398,95 +7878,38 @@
               <a:t>▶ </a:t>
             </a:r>
             <a:r>
-              <a:rPr lang="en-US" altLang="ko-KR" sz="2400" b="1" dirty="0">
+              <a:rPr lang="en-US" altLang="ko-KR" sz="2400" b="1" dirty="0" smtClean="0">
                 <a:latin typeface="+mj-lt"/>
               </a:rPr>
-              <a:t>2-3  </a:t>
-            </a:r>
-            <a:r>
-              <a:rPr lang="ko-KR" altLang="en-US" sz="2400" b="1" dirty="0">
+              <a:t>3-1  </a:t>
+            </a:r>
+            <a:r>
+              <a:rPr lang="ko-KR" altLang="en-US" sz="2400" b="1" dirty="0" smtClean="0">
                 <a:latin typeface="+mj-lt"/>
               </a:rPr>
-              <a:t>기술설명</a:t>
-            </a:r>
-            <a:endParaRPr lang="en-US" altLang="ko-KR" sz="2400" b="1" dirty="0">
-              <a:latin typeface="+mj-lt"/>
-            </a:endParaRPr>
-          </a:p>
-          <a:p>
-            <a:pPr marL="0" indent="0">
-              <a:buNone/>
-            </a:pPr>
+              <a:t>시연</a:t>
+            </a:r>
             <a:endParaRPr lang="en-US" altLang="ko-KR" dirty="0"/>
-          </a:p>
-          <a:p>
-            <a:pPr marL="0" indent="0">
-              <a:buNone/>
-            </a:pPr>
-            <a:r>
-              <a:rPr lang="ko-KR" altLang="en-US" dirty="0"/>
-              <a:t>다양한 기능과 </a:t>
-            </a:r>
-            <a:r>
-              <a:rPr lang="en-US" altLang="ko-KR" dirty="0"/>
-              <a:t>~~</a:t>
-            </a:r>
-            <a:br>
-              <a:rPr lang="en-US" altLang="ko-KR" dirty="0"/>
-            </a:br>
-            <a:r>
-              <a:rPr lang="en-US" altLang="ko-KR" dirty="0"/>
-              <a:t>~~~</a:t>
-            </a:r>
-          </a:p>
-          <a:p>
-            <a:pPr marL="0" indent="0">
-              <a:buNone/>
-            </a:pPr>
-            <a:r>
-              <a:rPr lang="en-US" altLang="ko-KR" dirty="0"/>
-              <a:t>~~~</a:t>
-            </a:r>
-          </a:p>
-          <a:p>
-            <a:pPr marL="0" indent="0">
-              <a:buNone/>
-            </a:pPr>
-            <a:r>
-              <a:rPr lang="en-US" altLang="ko-KR" dirty="0"/>
-              <a:t>~~~</a:t>
-            </a:r>
-          </a:p>
-          <a:p>
-            <a:pPr marL="0" indent="0">
-              <a:buNone/>
-            </a:pPr>
-            <a:r>
-              <a:rPr lang="en-US" altLang="ko-KR" dirty="0"/>
-              <a:t>~~~~</a:t>
-            </a:r>
-          </a:p>
-          <a:p>
-            <a:pPr marL="0" indent="0">
-              <a:buNone/>
-            </a:pPr>
-            <a:r>
-              <a:rPr lang="en-US" altLang="ko-KR" dirty="0"/>
-              <a:t>~~~~</a:t>
-            </a:r>
           </a:p>
         </p:txBody>
       </p:sp>
     </p:spTree>
     <p:extLst>
       <p:ext uri="{BB962C8B-B14F-4D97-AF65-F5344CB8AC3E}">
-        <p14:creationId xmlns:p14="http://schemas.microsoft.com/office/powerpoint/2010/main" val="817506424"/>
+        <p14:creationId xmlns:p14="http://schemas.microsoft.com/office/powerpoint/2010/main" val="1702122628"/>
       </p:ext>
     </p:extLst>
   </p:cSld>
   <p:clrMapOvr>
     <a:masterClrMapping/>
   </p:clrMapOvr>
+  <p:timing>
+    <p:tnLst>
+      <p:par>
+        <p:cTn id="1" dur="indefinite" restart="never" nodeType="tmRoot"/>
+      </p:par>
+    </p:tnLst>
+  </p:timing>
 </p:sld>
 </file>
 
@@ -6509,6 +7932,52 @@
       </p:grpSpPr>
       <p:sp>
         <p:nvSpPr>
+          <p:cNvPr id="4" name="직사각형 3"/>
+          <p:cNvSpPr/>
+          <p:nvPr/>
+        </p:nvSpPr>
+        <p:spPr>
+          <a:xfrm>
+            <a:off x="3208713" y="2036618"/>
+            <a:ext cx="8370916" cy="4239491"/>
+          </a:xfrm>
+          <a:prstGeom prst="rect">
+            <a:avLst/>
+          </a:prstGeom>
+          <a:solidFill>
+            <a:schemeClr val="accent6">
+              <a:lumMod val="40000"/>
+              <a:lumOff val="60000"/>
+            </a:schemeClr>
+          </a:solidFill>
+        </p:spPr>
+        <p:style>
+          <a:lnRef idx="2">
+            <a:schemeClr val="accent1">
+              <a:shade val="50000"/>
+            </a:schemeClr>
+          </a:lnRef>
+          <a:fillRef idx="1">
+            <a:schemeClr val="accent1"/>
+          </a:fillRef>
+          <a:effectRef idx="0">
+            <a:schemeClr val="accent1"/>
+          </a:effectRef>
+          <a:fontRef idx="minor">
+            <a:schemeClr val="lt1"/>
+          </a:fontRef>
+        </p:style>
+        <p:txBody>
+          <a:bodyPr rtlCol="0" anchor="ctr"/>
+          <a:lstStyle/>
+          <a:p>
+            <a:pPr algn="ctr"/>
+            <a:endParaRPr lang="ko-KR" altLang="en-US"/>
+          </a:p>
+        </p:txBody>
+      </p:sp>
+      <p:sp>
+        <p:nvSpPr>
           <p:cNvPr id="2" name="제목 1">
             <a:extLst>
               <a:ext uri="{FF2B5EF4-FFF2-40B4-BE49-F238E27FC236}">
@@ -6576,95 +8045,38 @@
               <a:t>▶ </a:t>
             </a:r>
             <a:r>
-              <a:rPr lang="en-US" altLang="ko-KR" sz="2400" b="1" dirty="0">
+              <a:rPr lang="en-US" altLang="ko-KR" sz="2400" b="1" dirty="0" smtClean="0">
                 <a:latin typeface="+mj-lt"/>
               </a:rPr>
               <a:t>3-1  </a:t>
             </a:r>
             <a:r>
-              <a:rPr lang="ko-KR" altLang="en-US" sz="2400" b="1" dirty="0">
+              <a:rPr lang="ko-KR" altLang="en-US" sz="2400" b="1" dirty="0" smtClean="0">
                 <a:latin typeface="+mj-lt"/>
               </a:rPr>
-              <a:t>시연영상</a:t>
-            </a:r>
-            <a:endParaRPr lang="en-US" altLang="ko-KR" sz="2400" b="1" dirty="0">
-              <a:latin typeface="+mj-lt"/>
-            </a:endParaRPr>
-          </a:p>
-          <a:p>
-            <a:pPr marL="0" indent="0">
-              <a:buNone/>
-            </a:pPr>
+              <a:t>시연</a:t>
+            </a:r>
             <a:endParaRPr lang="en-US" altLang="ko-KR" dirty="0"/>
-          </a:p>
-          <a:p>
-            <a:pPr marL="0" indent="0">
-              <a:buNone/>
-            </a:pPr>
-            <a:r>
-              <a:rPr lang="ko-KR" altLang="en-US" dirty="0"/>
-              <a:t>다양한 기능과 </a:t>
-            </a:r>
-            <a:r>
-              <a:rPr lang="en-US" altLang="ko-KR" dirty="0"/>
-              <a:t>~~</a:t>
-            </a:r>
-            <a:br>
-              <a:rPr lang="en-US" altLang="ko-KR" dirty="0"/>
-            </a:br>
-            <a:r>
-              <a:rPr lang="en-US" altLang="ko-KR" dirty="0"/>
-              <a:t>~~~</a:t>
-            </a:r>
-          </a:p>
-          <a:p>
-            <a:pPr marL="0" indent="0">
-              <a:buNone/>
-            </a:pPr>
-            <a:r>
-              <a:rPr lang="en-US" altLang="ko-KR" dirty="0"/>
-              <a:t>~~~</a:t>
-            </a:r>
-          </a:p>
-          <a:p>
-            <a:pPr marL="0" indent="0">
-              <a:buNone/>
-            </a:pPr>
-            <a:r>
-              <a:rPr lang="en-US" altLang="ko-KR" dirty="0"/>
-              <a:t>~~~</a:t>
-            </a:r>
-          </a:p>
-          <a:p>
-            <a:pPr marL="0" indent="0">
-              <a:buNone/>
-            </a:pPr>
-            <a:r>
-              <a:rPr lang="en-US" altLang="ko-KR" dirty="0"/>
-              <a:t>~~~~</a:t>
-            </a:r>
-          </a:p>
-          <a:p>
-            <a:pPr marL="0" indent="0">
-              <a:buNone/>
-            </a:pPr>
-            <a:r>
-              <a:rPr lang="en-US" altLang="ko-KR" dirty="0"/>
-              <a:t>~~~~</a:t>
-            </a:r>
           </a:p>
         </p:txBody>
       </p:sp>
     </p:spTree>
     <p:extLst>
       <p:ext uri="{BB962C8B-B14F-4D97-AF65-F5344CB8AC3E}">
-        <p14:creationId xmlns:p14="http://schemas.microsoft.com/office/powerpoint/2010/main" val="1702122628"/>
+        <p14:creationId xmlns:p14="http://schemas.microsoft.com/office/powerpoint/2010/main" val="2283887709"/>
       </p:ext>
     </p:extLst>
   </p:cSld>
   <p:clrMapOvr>
     <a:masterClrMapping/>
   </p:clrMapOvr>
+  <p:timing>
+    <p:tnLst>
+      <p:par>
+        <p:cTn id="1" dur="indefinite" restart="never" nodeType="tmRoot"/>
+      </p:par>
+    </p:tnLst>
+  </p:timing>
 </p:sld>
 </file>
 
@@ -6687,6 +8099,52 @@
       </p:grpSpPr>
       <p:sp>
         <p:nvSpPr>
+          <p:cNvPr id="4" name="직사각형 3"/>
+          <p:cNvSpPr/>
+          <p:nvPr/>
+        </p:nvSpPr>
+        <p:spPr>
+          <a:xfrm>
+            <a:off x="3208713" y="2036618"/>
+            <a:ext cx="8370916" cy="4239491"/>
+          </a:xfrm>
+          <a:prstGeom prst="rect">
+            <a:avLst/>
+          </a:prstGeom>
+          <a:solidFill>
+            <a:schemeClr val="accent6">
+              <a:lumMod val="40000"/>
+              <a:lumOff val="60000"/>
+            </a:schemeClr>
+          </a:solidFill>
+        </p:spPr>
+        <p:style>
+          <a:lnRef idx="2">
+            <a:schemeClr val="accent1">
+              <a:shade val="50000"/>
+            </a:schemeClr>
+          </a:lnRef>
+          <a:fillRef idx="1">
+            <a:schemeClr val="accent1"/>
+          </a:fillRef>
+          <a:effectRef idx="0">
+            <a:schemeClr val="accent1"/>
+          </a:effectRef>
+          <a:fontRef idx="minor">
+            <a:schemeClr val="lt1"/>
+          </a:fontRef>
+        </p:style>
+        <p:txBody>
+          <a:bodyPr rtlCol="0" anchor="ctr"/>
+          <a:lstStyle/>
+          <a:p>
+            <a:pPr algn="ctr"/>
+            <a:endParaRPr lang="ko-KR" altLang="en-US"/>
+          </a:p>
+        </p:txBody>
+      </p:sp>
+      <p:sp>
+        <p:nvSpPr>
           <p:cNvPr id="2" name="제목 1">
             <a:extLst>
               <a:ext uri="{FF2B5EF4-FFF2-40B4-BE49-F238E27FC236}">
@@ -6754,95 +8212,38 @@
               <a:t>▶ </a:t>
             </a:r>
             <a:r>
-              <a:rPr lang="en-US" altLang="ko-KR" sz="2400" b="1" dirty="0">
+              <a:rPr lang="en-US" altLang="ko-KR" sz="2400" b="1" dirty="0" smtClean="0">
                 <a:latin typeface="+mj-lt"/>
               </a:rPr>
-              <a:t>4-1  </a:t>
-            </a:r>
-            <a:r>
-              <a:rPr lang="ko-KR" altLang="en-US" sz="2400" b="1" dirty="0">
+              <a:t>3-1  </a:t>
+            </a:r>
+            <a:r>
+              <a:rPr lang="ko-KR" altLang="en-US" sz="2400" b="1" dirty="0" smtClean="0">
                 <a:latin typeface="+mj-lt"/>
               </a:rPr>
-              <a:t>개발일정</a:t>
-            </a:r>
-            <a:endParaRPr lang="en-US" altLang="ko-KR" sz="2400" b="1" dirty="0">
-              <a:latin typeface="+mj-lt"/>
-            </a:endParaRPr>
-          </a:p>
-          <a:p>
-            <a:pPr marL="0" indent="0">
-              <a:buNone/>
-            </a:pPr>
+              <a:t>시연</a:t>
+            </a:r>
             <a:endParaRPr lang="en-US" altLang="ko-KR" dirty="0"/>
-          </a:p>
-          <a:p>
-            <a:pPr marL="0" indent="0">
-              <a:buNone/>
-            </a:pPr>
-            <a:r>
-              <a:rPr lang="ko-KR" altLang="en-US" dirty="0"/>
-              <a:t>다양한 기능과 </a:t>
-            </a:r>
-            <a:r>
-              <a:rPr lang="en-US" altLang="ko-KR" dirty="0"/>
-              <a:t>~~</a:t>
-            </a:r>
-            <a:br>
-              <a:rPr lang="en-US" altLang="ko-KR" dirty="0"/>
-            </a:br>
-            <a:r>
-              <a:rPr lang="en-US" altLang="ko-KR" dirty="0"/>
-              <a:t>~~~</a:t>
-            </a:r>
-          </a:p>
-          <a:p>
-            <a:pPr marL="0" indent="0">
-              <a:buNone/>
-            </a:pPr>
-            <a:r>
-              <a:rPr lang="en-US" altLang="ko-KR" dirty="0"/>
-              <a:t>~~~</a:t>
-            </a:r>
-          </a:p>
-          <a:p>
-            <a:pPr marL="0" indent="0">
-              <a:buNone/>
-            </a:pPr>
-            <a:r>
-              <a:rPr lang="en-US" altLang="ko-KR" dirty="0"/>
-              <a:t>~~~</a:t>
-            </a:r>
-          </a:p>
-          <a:p>
-            <a:pPr marL="0" indent="0">
-              <a:buNone/>
-            </a:pPr>
-            <a:r>
-              <a:rPr lang="en-US" altLang="ko-KR" dirty="0"/>
-              <a:t>~~~~</a:t>
-            </a:r>
-          </a:p>
-          <a:p>
-            <a:pPr marL="0" indent="0">
-              <a:buNone/>
-            </a:pPr>
-            <a:r>
-              <a:rPr lang="en-US" altLang="ko-KR" dirty="0"/>
-              <a:t>~~~~</a:t>
-            </a:r>
           </a:p>
         </p:txBody>
       </p:sp>
     </p:spTree>
     <p:extLst>
       <p:ext uri="{BB962C8B-B14F-4D97-AF65-F5344CB8AC3E}">
-        <p14:creationId xmlns:p14="http://schemas.microsoft.com/office/powerpoint/2010/main" val="976884450"/>
+        <p14:creationId xmlns:p14="http://schemas.microsoft.com/office/powerpoint/2010/main" val="3786082748"/>
       </p:ext>
     </p:extLst>
   </p:cSld>
   <p:clrMapOvr>
     <a:masterClrMapping/>
   </p:clrMapOvr>
+  <p:timing>
+    <p:tnLst>
+      <p:par>
+        <p:cTn id="1" dur="indefinite" restart="never" nodeType="tmRoot"/>
+      </p:par>
+    </p:tnLst>
+  </p:timing>
 </p:sld>
 </file>
 
